--- a/documents/¿Como se sientan sobre @TheBridge_Tech_.pptx
+++ b/documents/¿Como se sientan sobre @TheBridge_Tech_.pptx
@@ -826,7 +826,7 @@
   <p:cSld>
     <p:spTree>
       <p:nvGrpSpPr>
-        <p:cNvPr id="337" name="Shape 337"/>
+        <p:cNvPr id="340" name="Shape 340"/>
         <p:cNvGrpSpPr/>
         <p:nvPr/>
       </p:nvGrpSpPr>
@@ -840,7 +840,7 @@
       </p:grpSpPr>
       <p:sp>
         <p:nvSpPr>
-          <p:cNvPr id="338" name="Google Shape;338;g1d13564ee80_1_70:notes"/>
+          <p:cNvPr id="341" name="Google Shape;341;g1d13564ee80_1_70:notes"/>
           <p:cNvSpPr/>
           <p:nvPr>
             <p:ph idx="2" type="sldImg"/>
@@ -875,7 +875,7 @@
       </p:sp>
       <p:sp>
         <p:nvSpPr>
-          <p:cNvPr id="339" name="Google Shape;339;g1d13564ee80_1_70:notes"/>
+          <p:cNvPr id="342" name="Google Shape;342;g1d13564ee80_1_70:notes"/>
           <p:cNvSpPr txBox="1"/>
           <p:nvPr>
             <p:ph idx="1" type="body"/>
@@ -925,7 +925,7 @@
   <p:cSld>
     <p:spTree>
       <p:nvGrpSpPr>
-        <p:cNvPr id="344" name="Shape 344"/>
+        <p:cNvPr id="347" name="Shape 347"/>
         <p:cNvGrpSpPr/>
         <p:nvPr/>
       </p:nvGrpSpPr>
@@ -939,7 +939,7 @@
       </p:grpSpPr>
       <p:sp>
         <p:nvSpPr>
-          <p:cNvPr id="345" name="Google Shape;345;g1d13564ee80_1_82:notes"/>
+          <p:cNvPr id="348" name="Google Shape;348;g1d13564ee80_1_82:notes"/>
           <p:cNvSpPr/>
           <p:nvPr>
             <p:ph idx="2" type="sldImg"/>
@@ -974,7 +974,7 @@
       </p:sp>
       <p:sp>
         <p:nvSpPr>
-          <p:cNvPr id="346" name="Google Shape;346;g1d13564ee80_1_82:notes"/>
+          <p:cNvPr id="349" name="Google Shape;349;g1d13564ee80_1_82:notes"/>
           <p:cNvSpPr txBox="1"/>
           <p:nvPr>
             <p:ph idx="1" type="body"/>
@@ -1024,7 +1024,7 @@
   <p:cSld>
     <p:spTree>
       <p:nvGrpSpPr>
-        <p:cNvPr id="349" name="Shape 349"/>
+        <p:cNvPr id="352" name="Shape 352"/>
         <p:cNvGrpSpPr/>
         <p:nvPr/>
       </p:nvGrpSpPr>
@@ -1038,7 +1038,7 @@
       </p:grpSpPr>
       <p:sp>
         <p:nvSpPr>
-          <p:cNvPr id="350" name="Google Shape;350;g1d13564ee80_1_87:notes"/>
+          <p:cNvPr id="353" name="Google Shape;353;g1d13564ee80_1_87:notes"/>
           <p:cNvSpPr/>
           <p:nvPr>
             <p:ph idx="2" type="sldImg"/>
@@ -1073,7 +1073,7 @@
       </p:sp>
       <p:sp>
         <p:nvSpPr>
-          <p:cNvPr id="351" name="Google Shape;351;g1d13564ee80_1_87:notes"/>
+          <p:cNvPr id="354" name="Google Shape;354;g1d13564ee80_1_87:notes"/>
           <p:cNvSpPr txBox="1"/>
           <p:nvPr>
             <p:ph idx="1" type="body"/>
@@ -1123,7 +1123,7 @@
   <p:cSld>
     <p:spTree>
       <p:nvGrpSpPr>
-        <p:cNvPr id="358" name="Shape 358"/>
+        <p:cNvPr id="361" name="Shape 361"/>
         <p:cNvGrpSpPr/>
         <p:nvPr/>
       </p:nvGrpSpPr>
@@ -1137,7 +1137,7 @@
       </p:grpSpPr>
       <p:sp>
         <p:nvSpPr>
-          <p:cNvPr id="359" name="Google Shape;359;g1d13564ee80_1_103:notes"/>
+          <p:cNvPr id="362" name="Google Shape;362;g1d13564ee80_1_103:notes"/>
           <p:cNvSpPr/>
           <p:nvPr>
             <p:ph idx="2" type="sldImg"/>
@@ -1172,7 +1172,7 @@
       </p:sp>
       <p:sp>
         <p:nvSpPr>
-          <p:cNvPr id="360" name="Google Shape;360;g1d13564ee80_1_103:notes"/>
+          <p:cNvPr id="363" name="Google Shape;363;g1d13564ee80_1_103:notes"/>
           <p:cNvSpPr txBox="1"/>
           <p:nvPr>
             <p:ph idx="1" type="body"/>
@@ -1222,7 +1222,7 @@
   <p:cSld>
     <p:spTree>
       <p:nvGrpSpPr>
-        <p:cNvPr id="368" name="Shape 368"/>
+        <p:cNvPr id="371" name="Shape 371"/>
         <p:cNvGrpSpPr/>
         <p:nvPr/>
       </p:nvGrpSpPr>
@@ -1236,7 +1236,7 @@
       </p:grpSpPr>
       <p:sp>
         <p:nvSpPr>
-          <p:cNvPr id="369" name="Google Shape;369;g1d13564ee80_1_119:notes"/>
+          <p:cNvPr id="372" name="Google Shape;372;g1d13564ee80_1_119:notes"/>
           <p:cNvSpPr/>
           <p:nvPr>
             <p:ph idx="2" type="sldImg"/>
@@ -1271,7 +1271,7 @@
       </p:sp>
       <p:sp>
         <p:nvSpPr>
-          <p:cNvPr id="370" name="Google Shape;370;g1d13564ee80_1_119:notes"/>
+          <p:cNvPr id="373" name="Google Shape;373;g1d13564ee80_1_119:notes"/>
           <p:cNvSpPr txBox="1"/>
           <p:nvPr>
             <p:ph idx="1" type="body"/>
@@ -1321,7 +1321,7 @@
   <p:cSld>
     <p:spTree>
       <p:nvGrpSpPr>
-        <p:cNvPr id="376" name="Shape 376"/>
+        <p:cNvPr id="379" name="Shape 379"/>
         <p:cNvGrpSpPr/>
         <p:nvPr/>
       </p:nvGrpSpPr>
@@ -1335,7 +1335,7 @@
       </p:grpSpPr>
       <p:sp>
         <p:nvSpPr>
-          <p:cNvPr id="377" name="Google Shape;377;g1d13564ee80_1_133:notes"/>
+          <p:cNvPr id="380" name="Google Shape;380;g1d13564ee80_1_133:notes"/>
           <p:cNvSpPr/>
           <p:nvPr>
             <p:ph idx="2" type="sldImg"/>
@@ -1370,7 +1370,7 @@
       </p:sp>
       <p:sp>
         <p:nvSpPr>
-          <p:cNvPr id="378" name="Google Shape;378;g1d13564ee80_1_133:notes"/>
+          <p:cNvPr id="381" name="Google Shape;381;g1d13564ee80_1_133:notes"/>
           <p:cNvSpPr txBox="1"/>
           <p:nvPr>
             <p:ph idx="1" type="body"/>
@@ -1420,7 +1420,7 @@
   <p:cSld>
     <p:spTree>
       <p:nvGrpSpPr>
-        <p:cNvPr id="381" name="Shape 381"/>
+        <p:cNvPr id="384" name="Shape 384"/>
         <p:cNvGrpSpPr/>
         <p:nvPr/>
       </p:nvGrpSpPr>
@@ -1434,7 +1434,7 @@
       </p:grpSpPr>
       <p:sp>
         <p:nvSpPr>
-          <p:cNvPr id="382" name="Google Shape;382;g1d13564ee80_1_138:notes"/>
+          <p:cNvPr id="385" name="Google Shape;385;g1d13564ee80_1_138:notes"/>
           <p:cNvSpPr/>
           <p:nvPr>
             <p:ph idx="2" type="sldImg"/>
@@ -1469,7 +1469,7 @@
       </p:sp>
       <p:sp>
         <p:nvSpPr>
-          <p:cNvPr id="383" name="Google Shape;383;g1d13564ee80_1_138:notes"/>
+          <p:cNvPr id="386" name="Google Shape;386;g1d13564ee80_1_138:notes"/>
           <p:cNvSpPr txBox="1"/>
           <p:nvPr>
             <p:ph idx="1" type="body"/>
@@ -2014,7 +2014,7 @@
   <p:cSld>
     <p:spTree>
       <p:nvGrpSpPr>
-        <p:cNvPr id="314" name="Shape 314"/>
+        <p:cNvPr id="316" name="Shape 316"/>
         <p:cNvGrpSpPr/>
         <p:nvPr/>
       </p:nvGrpSpPr>
@@ -2028,7 +2028,7 @@
       </p:grpSpPr>
       <p:sp>
         <p:nvSpPr>
-          <p:cNvPr id="315" name="Google Shape;315;g1d13564ee80_1_43:notes"/>
+          <p:cNvPr id="317" name="Google Shape;317;g1d13564ee80_1_43:notes"/>
           <p:cNvSpPr/>
           <p:nvPr>
             <p:ph idx="2" type="sldImg"/>
@@ -2063,7 +2063,7 @@
       </p:sp>
       <p:sp>
         <p:nvSpPr>
-          <p:cNvPr id="316" name="Google Shape;316;g1d13564ee80_1_43:notes"/>
+          <p:cNvPr id="318" name="Google Shape;318;g1d13564ee80_1_43:notes"/>
           <p:cNvSpPr txBox="1"/>
           <p:nvPr>
             <p:ph idx="1" type="body"/>
@@ -2113,7 +2113,7 @@
   <p:cSld>
     <p:spTree>
       <p:nvGrpSpPr>
-        <p:cNvPr id="323" name="Shape 323"/>
+        <p:cNvPr id="325" name="Shape 325"/>
         <p:cNvGrpSpPr/>
         <p:nvPr/>
       </p:nvGrpSpPr>
@@ -2127,7 +2127,7 @@
       </p:grpSpPr>
       <p:sp>
         <p:nvSpPr>
-          <p:cNvPr id="324" name="Google Shape;324;g1d13564ee80_1_53:notes"/>
+          <p:cNvPr id="326" name="Google Shape;326;g1d13564ee80_1_53:notes"/>
           <p:cNvSpPr/>
           <p:nvPr>
             <p:ph idx="2" type="sldImg"/>
@@ -2162,7 +2162,7 @@
       </p:sp>
       <p:sp>
         <p:nvSpPr>
-          <p:cNvPr id="325" name="Google Shape;325;g1d13564ee80_1_53:notes"/>
+          <p:cNvPr id="327" name="Google Shape;327;g1d13564ee80_1_53:notes"/>
           <p:cNvSpPr txBox="1"/>
           <p:nvPr>
             <p:ph idx="1" type="body"/>
@@ -2212,7 +2212,7 @@
   <p:cSld>
     <p:spTree>
       <p:nvGrpSpPr>
-        <p:cNvPr id="330" name="Shape 330"/>
+        <p:cNvPr id="333" name="Shape 333"/>
         <p:cNvGrpSpPr/>
         <p:nvPr/>
       </p:nvGrpSpPr>
@@ -2226,7 +2226,7 @@
       </p:grpSpPr>
       <p:sp>
         <p:nvSpPr>
-          <p:cNvPr id="331" name="Google Shape;331;g1d13564ee80_1_60:notes"/>
+          <p:cNvPr id="334" name="Google Shape;334;g1d13564ee80_1_60:notes"/>
           <p:cNvSpPr/>
           <p:nvPr>
             <p:ph idx="2" type="sldImg"/>
@@ -2261,7 +2261,7 @@
       </p:sp>
       <p:sp>
         <p:nvSpPr>
-          <p:cNvPr id="332" name="Google Shape;332;g1d13564ee80_1_60:notes"/>
+          <p:cNvPr id="335" name="Google Shape;335;g1d13564ee80_1_60:notes"/>
           <p:cNvSpPr txBox="1"/>
           <p:nvPr>
             <p:ph idx="1" type="body"/>
@@ -16695,7 +16695,7 @@
   <p:cSld>
     <p:spTree>
       <p:nvGrpSpPr>
-        <p:cNvPr id="340" name="Shape 340"/>
+        <p:cNvPr id="343" name="Shape 343"/>
         <p:cNvGrpSpPr/>
         <p:nvPr/>
       </p:nvGrpSpPr>
@@ -16709,7 +16709,7 @@
       </p:grpSpPr>
       <p:sp>
         <p:nvSpPr>
-          <p:cNvPr id="341" name="Google Shape;341;p22"/>
+          <p:cNvPr id="344" name="Google Shape;344;p22"/>
           <p:cNvSpPr txBox="1"/>
           <p:nvPr>
             <p:ph type="title"/>
@@ -16749,7 +16749,7 @@
       </p:sp>
       <p:sp>
         <p:nvSpPr>
-          <p:cNvPr id="342" name="Google Shape;342;p22"/>
+          <p:cNvPr id="345" name="Google Shape;345;p22"/>
           <p:cNvSpPr txBox="1"/>
           <p:nvPr>
             <p:ph idx="1" type="body"/>
@@ -16858,7 +16858,7 @@
       </p:sp>
       <p:pic>
         <p:nvPicPr>
-          <p:cNvPr id="343" name="Google Shape;343;p22"/>
+          <p:cNvPr id="346" name="Google Shape;346;p22"/>
           <p:cNvPicPr preferRelativeResize="0"/>
           <p:nvPr/>
         </p:nvPicPr>
@@ -16897,7 +16897,7 @@
   <p:cSld>
     <p:spTree>
       <p:nvGrpSpPr>
-        <p:cNvPr id="347" name="Shape 347"/>
+        <p:cNvPr id="350" name="Shape 350"/>
         <p:cNvGrpSpPr/>
         <p:nvPr/>
       </p:nvGrpSpPr>
@@ -16911,7 +16911,7 @@
       </p:grpSpPr>
       <p:sp>
         <p:nvSpPr>
-          <p:cNvPr id="348" name="Google Shape;348;p23"/>
+          <p:cNvPr id="351" name="Google Shape;351;p23"/>
           <p:cNvSpPr txBox="1"/>
           <p:nvPr>
             <p:ph type="title"/>
@@ -16966,7 +16966,7 @@
   <p:cSld>
     <p:spTree>
       <p:nvGrpSpPr>
-        <p:cNvPr id="352" name="Shape 352"/>
+        <p:cNvPr id="355" name="Shape 355"/>
         <p:cNvGrpSpPr/>
         <p:nvPr/>
       </p:nvGrpSpPr>
@@ -16980,7 +16980,7 @@
       </p:grpSpPr>
       <p:sp>
         <p:nvSpPr>
-          <p:cNvPr id="353" name="Google Shape;353;p24"/>
+          <p:cNvPr id="356" name="Google Shape;356;p24"/>
           <p:cNvSpPr txBox="1"/>
           <p:nvPr>
             <p:ph type="title"/>
@@ -17020,7 +17020,7 @@
       </p:sp>
       <p:sp>
         <p:nvSpPr>
-          <p:cNvPr id="354" name="Google Shape;354;p24"/>
+          <p:cNvPr id="357" name="Google Shape;357;p24"/>
           <p:cNvSpPr txBox="1"/>
           <p:nvPr>
             <p:ph idx="1" type="body"/>
@@ -17133,7 +17133,7 @@
       </p:sp>
       <p:pic>
         <p:nvPicPr>
-          <p:cNvPr id="355" name="Google Shape;355;p24"/>
+          <p:cNvPr id="358" name="Google Shape;358;p24"/>
           <p:cNvPicPr preferRelativeResize="0"/>
           <p:nvPr/>
         </p:nvPicPr>
@@ -17160,7 +17160,7 @@
       </p:pic>
       <p:pic>
         <p:nvPicPr>
-          <p:cNvPr id="356" name="Google Shape;356;p24"/>
+          <p:cNvPr id="359" name="Google Shape;359;p24"/>
           <p:cNvPicPr preferRelativeResize="0"/>
           <p:nvPr/>
         </p:nvPicPr>
@@ -17188,7 +17188,7 @@
       </p:pic>
       <p:pic>
         <p:nvPicPr>
-          <p:cNvPr id="357" name="Google Shape;357;p24"/>
+          <p:cNvPr id="360" name="Google Shape;360;p24"/>
           <p:cNvPicPr preferRelativeResize="0"/>
           <p:nvPr/>
         </p:nvPicPr>
@@ -17227,7 +17227,7 @@
   <p:cSld>
     <p:spTree>
       <p:nvGrpSpPr>
-        <p:cNvPr id="361" name="Shape 361"/>
+        <p:cNvPr id="364" name="Shape 364"/>
         <p:cNvGrpSpPr/>
         <p:nvPr/>
       </p:nvGrpSpPr>
@@ -17241,7 +17241,7 @@
       </p:grpSpPr>
       <p:graphicFrame>
         <p:nvGraphicFramePr>
-          <p:cNvPr id="362" name="Google Shape;362;p25"/>
+          <p:cNvPr id="365" name="Google Shape;365;p25"/>
           <p:cNvGraphicFramePr/>
           <p:nvPr/>
         </p:nvGraphicFramePr>
@@ -17254,7 +17254,7 @@
             <a:tbl>
               <a:tblPr>
                 <a:noFill/>
-                <a:tableStyleId>{AEB44090-8C08-4512-8D8D-431DE1DA3CA8}</a:tableStyleId>
+                <a:tableStyleId>{B22D5C0C-935D-4F21-A2DC-FEB81F51A301}</a:tableStyleId>
               </a:tblPr>
               <a:tblGrid>
                 <a:gridCol w="596625"/>
@@ -19022,7 +19022,7 @@
       </p:graphicFrame>
       <p:sp>
         <p:nvSpPr>
-          <p:cNvPr id="363" name="Google Shape;363;p25"/>
+          <p:cNvPr id="366" name="Google Shape;366;p25"/>
           <p:cNvSpPr txBox="1"/>
           <p:nvPr>
             <p:ph type="title"/>
@@ -19062,7 +19062,7 @@
       </p:sp>
       <p:graphicFrame>
         <p:nvGraphicFramePr>
-          <p:cNvPr id="364" name="Google Shape;364;p25"/>
+          <p:cNvPr id="367" name="Google Shape;367;p25"/>
           <p:cNvGraphicFramePr/>
           <p:nvPr/>
         </p:nvGraphicFramePr>
@@ -19075,7 +19075,7 @@
             <a:tbl>
               <a:tblPr>
                 <a:noFill/>
-                <a:tableStyleId>{AEB44090-8C08-4512-8D8D-431DE1DA3CA8}</a:tableStyleId>
+                <a:tableStyleId>{B22D5C0C-935D-4F21-A2DC-FEB81F51A301}</a:tableStyleId>
               </a:tblPr>
               <a:tblGrid>
                 <a:gridCol w="616050"/>
@@ -20843,7 +20843,7 @@
       </p:graphicFrame>
       <p:sp>
         <p:nvSpPr>
-          <p:cNvPr id="365" name="Google Shape;365;p25"/>
+          <p:cNvPr id="368" name="Google Shape;368;p25"/>
           <p:cNvSpPr txBox="1"/>
           <p:nvPr/>
         </p:nvSpPr>
@@ -20895,7 +20895,7 @@
       </p:sp>
       <p:sp>
         <p:nvSpPr>
-          <p:cNvPr id="366" name="Google Shape;366;p25"/>
+          <p:cNvPr id="369" name="Google Shape;369;p25"/>
           <p:cNvSpPr txBox="1"/>
           <p:nvPr/>
         </p:nvSpPr>
@@ -20947,7 +20947,7 @@
       </p:sp>
       <p:sp>
         <p:nvSpPr>
-          <p:cNvPr id="367" name="Google Shape;367;p25"/>
+          <p:cNvPr id="370" name="Google Shape;370;p25"/>
           <p:cNvSpPr txBox="1"/>
           <p:nvPr>
             <p:ph idx="1" type="body"/>
@@ -20955,8 +20955,8 @@
         </p:nvSpPr>
         <p:spPr>
           <a:xfrm>
-            <a:off x="5635825" y="2503063"/>
-            <a:ext cx="3290700" cy="1515600"/>
+            <a:off x="5635825" y="2503078"/>
+            <a:ext cx="3290700" cy="1824300"/>
           </a:xfrm>
           <a:prstGeom prst="rect">
             <a:avLst/>
@@ -20964,7 +20964,7 @@
         </p:spPr>
         <p:txBody>
           <a:bodyPr anchorCtr="0" anchor="t" bIns="91425" lIns="91425" spcFirstLastPara="1" rIns="91425" wrap="square" tIns="91425">
-            <a:normAutofit/>
+            <a:normAutofit lnSpcReduction="10000"/>
           </a:bodyPr>
           <a:lstStyle/>
           <a:p>
@@ -20980,20 +20980,20 @@
             </a:pPr>
             <a:r>
               <a:rPr lang="en-GB"/>
-              <a:t>Dos pasos que no había hecho hasta este punto:</a:t>
+              <a:t>Dos pasos que no he hecho hasta este punto:</a:t>
             </a:r>
             <a:endParaRPr/>
           </a:p>
           <a:p>
-            <a:pPr indent="-311150" lvl="0" marL="457200" rtl="0" algn="l">
-              <a:spcBef>
-                <a:spcPts val="0"/>
-              </a:spcBef>
-              <a:spcAft>
-                <a:spcPts val="0"/>
-              </a:spcAft>
-              <a:buSzPts val="1300"/>
-              <a:buChar char="●"/>
+            <a:pPr indent="-298450" lvl="1" marL="914400" rtl="0" algn="l">
+              <a:spcBef>
+                <a:spcPts val="0"/>
+              </a:spcBef>
+              <a:spcAft>
+                <a:spcPts val="0"/>
+              </a:spcAft>
+              <a:buSzPts val="1100"/>
+              <a:buChar char="○"/>
             </a:pPr>
             <a:r>
               <a:rPr lang="en-GB"/>
@@ -21002,6 +21002,23 @@
             <a:endParaRPr/>
           </a:p>
           <a:p>
+            <a:pPr indent="-298450" lvl="1" marL="914400" rtl="0" algn="l">
+              <a:spcBef>
+                <a:spcPts val="0"/>
+              </a:spcBef>
+              <a:spcAft>
+                <a:spcPts val="0"/>
+              </a:spcAft>
+              <a:buSzPts val="1100"/>
+              <a:buChar char="○"/>
+            </a:pPr>
+            <a:r>
+              <a:rPr lang="en-GB"/>
+              <a:t>“Stemming”</a:t>
+            </a:r>
+            <a:endParaRPr/>
+          </a:p>
+          <a:p>
             <a:pPr indent="-311150" lvl="0" marL="457200" rtl="0" algn="l">
               <a:spcBef>
                 <a:spcPts val="0"/>
@@ -21014,7 +21031,28 @@
             </a:pPr>
             <a:r>
               <a:rPr lang="en-GB"/>
-              <a:t>“Stemming”</a:t>
+              <a:t>Sin estos pasos, el modelo no va a funcionar bien.</a:t>
+            </a:r>
+            <a:endParaRPr/>
+          </a:p>
+          <a:p>
+            <a:pPr indent="-311150" lvl="0" marL="457200" rtl="0" algn="l">
+              <a:spcBef>
+                <a:spcPts val="0"/>
+              </a:spcBef>
+              <a:spcAft>
+                <a:spcPts val="0"/>
+              </a:spcAft>
+              <a:buSzPts val="1300"/>
+              <a:buChar char="●"/>
+            </a:pPr>
+            <a:r>
+              <a:rPr lang="en-GB"/>
+              <a:t>Parece como “stemming” en lugar de “</a:t>
+            </a:r>
+            <a:r>
+              <a:rPr lang="en-GB"/>
+              <a:t>lemmitization”.</a:t>
             </a:r>
             <a:endParaRPr/>
           </a:p>
@@ -21033,7 +21071,7 @@
   <p:cSld>
     <p:spTree>
       <p:nvGrpSpPr>
-        <p:cNvPr id="371" name="Shape 371"/>
+        <p:cNvPr id="374" name="Shape 374"/>
         <p:cNvGrpSpPr/>
         <p:nvPr/>
       </p:nvGrpSpPr>
@@ -21047,7 +21085,7 @@
       </p:grpSpPr>
       <p:sp>
         <p:nvSpPr>
-          <p:cNvPr id="372" name="Google Shape;372;p26"/>
+          <p:cNvPr id="375" name="Google Shape;375;p26"/>
           <p:cNvSpPr txBox="1"/>
           <p:nvPr>
             <p:ph type="title"/>
@@ -21087,7 +21125,7 @@
       </p:sp>
       <p:sp>
         <p:nvSpPr>
-          <p:cNvPr id="373" name="Google Shape;373;p26"/>
+          <p:cNvPr id="376" name="Google Shape;376;p26"/>
           <p:cNvSpPr txBox="1"/>
           <p:nvPr>
             <p:ph idx="1" type="body"/>
@@ -21179,7 +21217,7 @@
       </p:sp>
       <p:pic>
         <p:nvPicPr>
-          <p:cNvPr id="374" name="Google Shape;374;p26"/>
+          <p:cNvPr id="377" name="Google Shape;377;p26"/>
           <p:cNvPicPr preferRelativeResize="0"/>
           <p:nvPr/>
         </p:nvPicPr>
@@ -21207,7 +21245,7 @@
       </p:pic>
       <p:sp>
         <p:nvSpPr>
-          <p:cNvPr id="375" name="Google Shape;375;p26"/>
+          <p:cNvPr id="378" name="Google Shape;378;p26"/>
           <p:cNvSpPr txBox="1"/>
           <p:nvPr/>
         </p:nvSpPr>
@@ -21372,7 +21410,7 @@
   <p:cSld>
     <p:spTree>
       <p:nvGrpSpPr>
-        <p:cNvPr id="379" name="Shape 379"/>
+        <p:cNvPr id="382" name="Shape 382"/>
         <p:cNvGrpSpPr/>
         <p:nvPr/>
       </p:nvGrpSpPr>
@@ -21386,7 +21424,7 @@
       </p:grpSpPr>
       <p:sp>
         <p:nvSpPr>
-          <p:cNvPr id="380" name="Google Shape;380;p27"/>
+          <p:cNvPr id="383" name="Google Shape;383;p27"/>
           <p:cNvSpPr txBox="1"/>
           <p:nvPr>
             <p:ph type="title"/>
@@ -21437,7 +21475,7 @@
   <p:cSld>
     <p:spTree>
       <p:nvGrpSpPr>
-        <p:cNvPr id="384" name="Shape 384"/>
+        <p:cNvPr id="387" name="Shape 387"/>
         <p:cNvGrpSpPr/>
         <p:nvPr/>
       </p:nvGrpSpPr>
@@ -21451,7 +21489,7 @@
       </p:grpSpPr>
       <p:sp>
         <p:nvSpPr>
-          <p:cNvPr id="385" name="Google Shape;385;p28"/>
+          <p:cNvPr id="388" name="Google Shape;388;p28"/>
           <p:cNvSpPr txBox="1"/>
           <p:nvPr>
             <p:ph type="title"/>
@@ -21491,7 +21529,7 @@
       </p:sp>
       <p:sp>
         <p:nvSpPr>
-          <p:cNvPr id="386" name="Google Shape;386;p28"/>
+          <p:cNvPr id="389" name="Google Shape;389;p28"/>
           <p:cNvSpPr txBox="1"/>
           <p:nvPr>
             <p:ph idx="1" type="body"/>
@@ -21499,8 +21537,8 @@
         </p:nvSpPr>
         <p:spPr>
           <a:xfrm>
-            <a:off x="1303800" y="1742575"/>
-            <a:ext cx="7030500" cy="2789100"/>
+            <a:off x="1303800" y="1431625"/>
+            <a:ext cx="7169400" cy="3485400"/>
           </a:xfrm>
           <a:prstGeom prst="rect">
             <a:avLst/>
@@ -21524,7 +21562,7 @@
             </a:pPr>
             <a:r>
               <a:rPr lang="en-GB" sz="1500"/>
-              <a:t>La mayoria de la gente solo hace un tweet. </a:t>
+              <a:t>La mayoria de los usuarios solo hacen un tweet. </a:t>
             </a:r>
             <a:endParaRPr sz="1500"/>
           </a:p>
@@ -21575,23 +21613,6 @@
             </a:pPr>
             <a:r>
               <a:rPr lang="en-GB" sz="1500"/>
-              <a:t>El tipo de acción y la repercusión de un tweet dependen del contenido.</a:t>
-            </a:r>
-            <a:endParaRPr sz="1500"/>
-          </a:p>
-          <a:p>
-            <a:pPr indent="-323850" lvl="0" marL="457200" rtl="0" algn="l">
-              <a:spcBef>
-                <a:spcPts val="0"/>
-              </a:spcBef>
-              <a:spcAft>
-                <a:spcPts val="0"/>
-              </a:spcAft>
-              <a:buSzPts val="1500"/>
-              <a:buChar char="●"/>
-            </a:pPr>
-            <a:r>
-              <a:rPr lang="en-GB" sz="1500"/>
               <a:t>Puede ser una vía para explorar más a fondo qué estilos de tweets (informativos, estilo de pregunata vs personal) generan más participación social.</a:t>
             </a:r>
             <a:endParaRPr sz="1500"/>
@@ -21626,7 +21647,41 @@
             </a:pPr>
             <a:r>
               <a:rPr lang="en-GB" sz="1500"/>
+              <a:t>Un análisis historico puede establecer una línea base para monitorización.</a:t>
+            </a:r>
+            <a:endParaRPr sz="1500"/>
+          </a:p>
+          <a:p>
+            <a:pPr indent="-323850" lvl="0" marL="457200" rtl="0" algn="l">
+              <a:spcBef>
+                <a:spcPts val="0"/>
+              </a:spcBef>
+              <a:spcAft>
+                <a:spcPts val="0"/>
+              </a:spcAft>
+              <a:buSzPts val="1500"/>
+              <a:buChar char="●"/>
+            </a:pPr>
+            <a:r>
+              <a:rPr lang="en-GB" sz="1500"/>
               <a:t>Puede ser interasante un análisis de las conexiones entre usuarios (análisis tipo grafo).</a:t>
+            </a:r>
+            <a:endParaRPr sz="1500"/>
+          </a:p>
+          <a:p>
+            <a:pPr indent="-323850" lvl="0" marL="457200" rtl="0" algn="l">
+              <a:spcBef>
+                <a:spcPts val="0"/>
+              </a:spcBef>
+              <a:spcAft>
+                <a:spcPts val="0"/>
+              </a:spcAft>
+              <a:buSzPts val="1500"/>
+              <a:buChar char="●"/>
+            </a:pPr>
+            <a:r>
+              <a:rPr lang="en-GB" sz="1500"/>
+              <a:t>Seguiendo con esto, usuarios como “nodosenlared” pueden ser aprovechados para aumentar el impacto.</a:t>
             </a:r>
             <a:endParaRPr sz="1500"/>
           </a:p>
@@ -21716,26 +21771,26 @@
         </p:spPr>
         <p:txBody>
           <a:bodyPr anchorCtr="0" anchor="t" bIns="91425" lIns="91425" spcFirstLastPara="1" rIns="91425" wrap="square" tIns="91425">
-            <a:normAutofit/>
+            <a:noAutofit/>
           </a:bodyPr>
           <a:lstStyle/>
           <a:p>
-            <a:pPr indent="-311150" lvl="0" marL="457200" rtl="0" algn="l">
-              <a:spcBef>
-                <a:spcPts val="0"/>
-              </a:spcBef>
-              <a:spcAft>
-                <a:spcPts val="0"/>
-              </a:spcAft>
-              <a:buSzPts val="1300"/>
+            <a:pPr indent="-323850" lvl="0" marL="457200" rtl="0" algn="l">
+              <a:spcBef>
+                <a:spcPts val="0"/>
+              </a:spcBef>
+              <a:spcAft>
+                <a:spcPts val="0"/>
+              </a:spcAft>
+              <a:buSzPts val="1500"/>
               <a:buAutoNum type="arabicPeriod"/>
             </a:pPr>
             <a:r>
-              <a:rPr lang="en-GB" sz="1700"/>
+              <a:rPr lang="en-GB" sz="1500"/>
               <a:t>Recopilar los tweets (</a:t>
             </a:r>
             <a:r>
-              <a:rPr lang="en-GB" sz="1450">
+              <a:rPr lang="en-GB" sz="1500">
                 <a:solidFill>
                   <a:srgbClr val="C586C0"/>
                 </a:solidFill>
@@ -21750,7 +21805,7 @@
               <a:t>import</a:t>
             </a:r>
             <a:r>
-              <a:rPr lang="en-GB" sz="1450">
+              <a:rPr lang="en-GB" sz="1500">
                 <a:solidFill>
                   <a:srgbClr val="D4D4D4"/>
                 </a:solidFill>
@@ -21765,7 +21820,7 @@
               <a:t> </a:t>
             </a:r>
             <a:r>
-              <a:rPr lang="en-GB" sz="1450">
+              <a:rPr lang="en-GB" sz="1500">
                 <a:solidFill>
                   <a:srgbClr val="4EC9B0"/>
                 </a:solidFill>
@@ -21780,7 +21835,7 @@
               <a:t>snscrape</a:t>
             </a:r>
             <a:r>
-              <a:rPr lang="en-GB" sz="1450">
+              <a:rPr lang="en-GB" sz="1500">
                 <a:solidFill>
                   <a:srgbClr val="D4D4D4"/>
                 </a:solidFill>
@@ -21795,7 +21850,7 @@
               <a:t>.</a:t>
             </a:r>
             <a:r>
-              <a:rPr lang="en-GB" sz="1450">
+              <a:rPr lang="en-GB" sz="1500">
                 <a:solidFill>
                   <a:srgbClr val="4EC9B0"/>
                 </a:solidFill>
@@ -21810,7 +21865,7 @@
               <a:t>modules</a:t>
             </a:r>
             <a:r>
-              <a:rPr lang="en-GB" sz="1450">
+              <a:rPr lang="en-GB" sz="1500">
                 <a:solidFill>
                   <a:srgbClr val="D4D4D4"/>
                 </a:solidFill>
@@ -21825,7 +21880,7 @@
               <a:t>.</a:t>
             </a:r>
             <a:r>
-              <a:rPr lang="en-GB" sz="1450">
+              <a:rPr lang="en-GB" sz="1500">
                 <a:solidFill>
                   <a:srgbClr val="4EC9B0"/>
                 </a:solidFill>
@@ -21840,7 +21895,7 @@
               <a:t>twitter</a:t>
             </a:r>
             <a:r>
-              <a:rPr lang="en-GB" sz="1450">
+              <a:rPr lang="en-GB" sz="1500">
                 <a:solidFill>
                   <a:srgbClr val="D4D4D4"/>
                 </a:solidFill>
@@ -21855,7 +21910,7 @@
               <a:t> </a:t>
             </a:r>
             <a:r>
-              <a:rPr lang="en-GB" sz="1450">
+              <a:rPr lang="en-GB" sz="1500">
                 <a:solidFill>
                   <a:srgbClr val="C586C0"/>
                 </a:solidFill>
@@ -21870,7 +21925,7 @@
               <a:t>as</a:t>
             </a:r>
             <a:r>
-              <a:rPr lang="en-GB" sz="1450">
+              <a:rPr lang="en-GB" sz="1500">
                 <a:solidFill>
                   <a:srgbClr val="D4D4D4"/>
                 </a:solidFill>
@@ -21885,7 +21940,7 @@
               <a:t> </a:t>
             </a:r>
             <a:r>
-              <a:rPr lang="en-GB" sz="1450">
+              <a:rPr lang="en-GB" sz="1500">
                 <a:solidFill>
                   <a:srgbClr val="4EC9B0"/>
                 </a:solidFill>
@@ -21897,14 +21952,29 @@
                 <a:cs typeface="Courier New"/>
                 <a:sym typeface="Courier New"/>
               </a:rPr>
-              <a:t>sntwitter)</a:t>
+              <a:t>sntwitter</a:t>
             </a:r>
-            <a:endParaRPr sz="1450">
+            <a:r>
+              <a:rPr lang="en-GB" sz="1500">
+                <a:solidFill>
+                  <a:srgbClr val="000000"/>
+                </a:solidFill>
+                <a:highlight>
+                  <a:schemeClr val="lt1"/>
+                </a:highlight>
+                <a:latin typeface="Courier New"/>
+                <a:ea typeface="Courier New"/>
+                <a:cs typeface="Courier New"/>
+                <a:sym typeface="Courier New"/>
+              </a:rPr>
+              <a:t>)</a:t>
+            </a:r>
+            <a:endParaRPr sz="1500">
               <a:solidFill>
-                <a:srgbClr val="4EC9B0"/>
+                <a:srgbClr val="000000"/>
               </a:solidFill>
               <a:highlight>
-                <a:srgbClr val="1E1E1E"/>
+                <a:schemeClr val="lt1"/>
               </a:highlight>
               <a:latin typeface="Courier New"/>
               <a:ea typeface="Courier New"/>
@@ -21913,30 +21983,30 @@
             </a:endParaRPr>
           </a:p>
           <a:p>
-            <a:pPr indent="-311150" lvl="0" marL="457200" rtl="0" algn="l">
-              <a:spcBef>
-                <a:spcPts val="0"/>
-              </a:spcBef>
-              <a:spcAft>
-                <a:spcPts val="0"/>
-              </a:spcAft>
-              <a:buSzPts val="1300"/>
+            <a:pPr indent="-323850" lvl="0" marL="457200" rtl="0" algn="l">
+              <a:spcBef>
+                <a:spcPts val="0"/>
+              </a:spcBef>
+              <a:spcAft>
+                <a:spcPts val="0"/>
+              </a:spcAft>
+              <a:buSzPts val="1500"/>
               <a:buAutoNum type="arabicPeriod"/>
             </a:pPr>
             <a:r>
-              <a:rPr lang="en-GB" sz="1700"/>
+              <a:rPr lang="en-GB" sz="1500"/>
               <a:t>Base de datos </a:t>
             </a:r>
             <a:r>
-              <a:rPr lang="en-GB" sz="1700"/>
+              <a:rPr lang="en-GB" sz="1500"/>
               <a:t>MySQL</a:t>
             </a:r>
             <a:r>
-              <a:rPr lang="en-GB" sz="1700"/>
+              <a:rPr lang="en-GB" sz="1500"/>
               <a:t> (</a:t>
             </a:r>
             <a:r>
-              <a:rPr lang="en-GB" sz="1450">
+              <a:rPr lang="en-GB" sz="1500">
                 <a:solidFill>
                   <a:srgbClr val="C586C0"/>
                 </a:solidFill>
@@ -21951,7 +22021,7 @@
               <a:t>from</a:t>
             </a:r>
             <a:r>
-              <a:rPr lang="en-GB" sz="1450">
+              <a:rPr lang="en-GB" sz="1500">
                 <a:solidFill>
                   <a:srgbClr val="D4D4D4"/>
                 </a:solidFill>
@@ -21966,7 +22036,7 @@
               <a:t> </a:t>
             </a:r>
             <a:r>
-              <a:rPr lang="en-GB" sz="1450">
+              <a:rPr lang="en-GB" sz="1500">
                 <a:solidFill>
                   <a:srgbClr val="4EC9B0"/>
                 </a:solidFill>
@@ -21981,7 +22051,7 @@
               <a:t>sqlalchemy</a:t>
             </a:r>
             <a:r>
-              <a:rPr lang="en-GB" sz="1450">
+              <a:rPr lang="en-GB" sz="1500">
                 <a:solidFill>
                   <a:srgbClr val="D4D4D4"/>
                 </a:solidFill>
@@ -21996,7 +22066,7 @@
               <a:t> </a:t>
             </a:r>
             <a:r>
-              <a:rPr lang="en-GB" sz="1450">
+              <a:rPr lang="en-GB" sz="1500">
                 <a:solidFill>
                   <a:srgbClr val="C586C0"/>
                 </a:solidFill>
@@ -22011,7 +22081,7 @@
               <a:t>import</a:t>
             </a:r>
             <a:r>
-              <a:rPr lang="en-GB" sz="1450">
+              <a:rPr lang="en-GB" sz="1500">
                 <a:solidFill>
                   <a:srgbClr val="D4D4D4"/>
                 </a:solidFill>
@@ -22026,7 +22096,7 @@
               <a:t> </a:t>
             </a:r>
             <a:r>
-              <a:rPr lang="en-GB" sz="1450">
+              <a:rPr lang="en-GB" sz="1500">
                 <a:solidFill>
                   <a:srgbClr val="DCDCAA"/>
                 </a:solidFill>
@@ -22041,28 +22111,28 @@
               <a:t>create_engine</a:t>
             </a:r>
             <a:r>
-              <a:rPr lang="en-GB" sz="1700"/>
+              <a:rPr lang="en-GB" sz="1500"/>
               <a:t>)</a:t>
             </a:r>
-            <a:endParaRPr sz="1700"/>
+            <a:endParaRPr sz="1500"/>
           </a:p>
           <a:p>
-            <a:pPr indent="-311150" lvl="0" marL="457200" rtl="0" algn="l">
-              <a:spcBef>
-                <a:spcPts val="0"/>
-              </a:spcBef>
-              <a:spcAft>
-                <a:spcPts val="0"/>
-              </a:spcAft>
-              <a:buSzPts val="1300"/>
+            <a:pPr indent="-323850" lvl="0" marL="457200" rtl="0" algn="l">
+              <a:spcBef>
+                <a:spcPts val="0"/>
+              </a:spcBef>
+              <a:spcAft>
+                <a:spcPts val="0"/>
+              </a:spcAft>
+              <a:buSzPts val="1500"/>
               <a:buAutoNum type="arabicPeriod"/>
             </a:pPr>
             <a:r>
-              <a:rPr lang="en-GB" sz="1700"/>
+              <a:rPr lang="en-GB" sz="1500"/>
               <a:t>Análisis de preguntas de negicio (</a:t>
             </a:r>
             <a:r>
-              <a:rPr lang="en-GB" sz="1450">
+              <a:rPr lang="en-GB" sz="1500">
                 <a:solidFill>
                   <a:srgbClr val="C586C0"/>
                 </a:solidFill>
@@ -22077,7 +22147,7 @@
               <a:t>import</a:t>
             </a:r>
             <a:r>
-              <a:rPr lang="en-GB" sz="1450">
+              <a:rPr lang="en-GB" sz="1500">
                 <a:solidFill>
                   <a:srgbClr val="D4D4D4"/>
                 </a:solidFill>
@@ -22092,7 +22162,7 @@
               <a:t> </a:t>
             </a:r>
             <a:r>
-              <a:rPr lang="en-GB" sz="1450">
+              <a:rPr lang="en-GB" sz="1500">
                 <a:solidFill>
                   <a:srgbClr val="4EC9B0"/>
                 </a:solidFill>
@@ -22107,7 +22177,7 @@
               <a:t>seaborn</a:t>
             </a:r>
             <a:r>
-              <a:rPr lang="en-GB" sz="1450">
+              <a:rPr lang="en-GB" sz="1500">
                 <a:solidFill>
                   <a:srgbClr val="D4D4D4"/>
                 </a:solidFill>
@@ -22122,7 +22192,7 @@
               <a:t> </a:t>
             </a:r>
             <a:r>
-              <a:rPr lang="en-GB" sz="1450">
+              <a:rPr lang="en-GB" sz="1500">
                 <a:solidFill>
                   <a:srgbClr val="C586C0"/>
                 </a:solidFill>
@@ -22137,7 +22207,7 @@
               <a:t>as</a:t>
             </a:r>
             <a:r>
-              <a:rPr lang="en-GB" sz="1450">
+              <a:rPr lang="en-GB" sz="1500">
                 <a:solidFill>
                   <a:srgbClr val="D4D4D4"/>
                 </a:solidFill>
@@ -22152,7 +22222,7 @@
               <a:t> </a:t>
             </a:r>
             <a:r>
-              <a:rPr lang="en-GB" sz="1450">
+              <a:rPr lang="en-GB" sz="1500">
                 <a:solidFill>
                   <a:srgbClr val="4EC9B0"/>
                 </a:solidFill>
@@ -22167,28 +22237,28 @@
               <a:t>sns</a:t>
             </a:r>
             <a:r>
-              <a:rPr lang="en-GB" sz="1700"/>
+              <a:rPr lang="en-GB" sz="1500"/>
               <a:t>)</a:t>
             </a:r>
-            <a:endParaRPr sz="1700"/>
+            <a:endParaRPr sz="1500"/>
           </a:p>
           <a:p>
-            <a:pPr indent="-311150" lvl="0" marL="457200" rtl="0" algn="l">
-              <a:spcBef>
-                <a:spcPts val="0"/>
-              </a:spcBef>
-              <a:spcAft>
-                <a:spcPts val="0"/>
-              </a:spcAft>
-              <a:buSzPts val="1300"/>
+            <a:pPr indent="-323850" lvl="0" marL="457200" rtl="0" algn="l">
+              <a:spcBef>
+                <a:spcPts val="0"/>
+              </a:spcBef>
+              <a:spcAft>
+                <a:spcPts val="0"/>
+              </a:spcAft>
+              <a:buSzPts val="1500"/>
               <a:buAutoNum type="arabicPeriod"/>
             </a:pPr>
             <a:r>
-              <a:rPr lang="en-GB" sz="1700"/>
+              <a:rPr lang="en-GB" sz="1500"/>
               <a:t>Análisis de sentimiento con un modelo pre entrenado (</a:t>
             </a:r>
             <a:r>
-              <a:rPr lang="en-GB" sz="1450">
+              <a:rPr lang="en-GB" sz="1500">
                 <a:solidFill>
                   <a:srgbClr val="C586C0"/>
                 </a:solidFill>
@@ -22203,7 +22273,7 @@
               <a:t>import</a:t>
             </a:r>
             <a:r>
-              <a:rPr lang="en-GB" sz="1450">
+              <a:rPr lang="en-GB" sz="1500">
                 <a:solidFill>
                   <a:srgbClr val="D4D4D4"/>
                 </a:solidFill>
@@ -22218,7 +22288,7 @@
               <a:t> </a:t>
             </a:r>
             <a:r>
-              <a:rPr lang="en-GB" sz="1450">
+              <a:rPr lang="en-GB" sz="1500">
                 <a:solidFill>
                   <a:srgbClr val="4EC9B0"/>
                 </a:solidFill>
@@ -22233,28 +22303,148 @@
               <a:t>pickle</a:t>
             </a:r>
             <a:r>
-              <a:rPr lang="en-GB" sz="1700"/>
+              <a:rPr lang="en-GB" sz="1500"/>
               <a:t>)</a:t>
             </a:r>
-            <a:endParaRPr sz="1700"/>
+            <a:endParaRPr sz="1500"/>
           </a:p>
           <a:p>
-            <a:pPr indent="-336550" lvl="0" marL="457200" rtl="0" algn="l">
-              <a:spcBef>
-                <a:spcPts val="0"/>
-              </a:spcBef>
-              <a:spcAft>
-                <a:spcPts val="0"/>
-              </a:spcAft>
-              <a:buSzPts val="1700"/>
+            <a:pPr indent="-323850" lvl="0" marL="457200" rtl="0" algn="l">
+              <a:spcBef>
+                <a:spcPts val="0"/>
+              </a:spcBef>
+              <a:spcAft>
+                <a:spcPts val="0"/>
+              </a:spcAft>
+              <a:buSzPts val="1500"/>
               <a:buAutoNum type="arabicPeriod"/>
             </a:pPr>
             <a:r>
-              <a:rPr lang="en-GB" sz="1700"/>
-              <a:t>Concluciones (</a:t>
+              <a:rPr lang="en-GB" sz="1500"/>
+              <a:t>Análisis de sentimiento con preprocesando (</a:t>
             </a:r>
             <a:r>
-              <a:rPr lang="en-GB" sz="1450">
+              <a:rPr lang="en-GB" sz="1500">
+                <a:solidFill>
+                  <a:srgbClr val="C586C0"/>
+                </a:solidFill>
+                <a:highlight>
+                  <a:srgbClr val="1E1E1E"/>
+                </a:highlight>
+                <a:latin typeface="Courier New"/>
+                <a:ea typeface="Courier New"/>
+                <a:cs typeface="Courier New"/>
+                <a:sym typeface="Courier New"/>
+              </a:rPr>
+              <a:t>from</a:t>
+            </a:r>
+            <a:r>
+              <a:rPr lang="en-GB" sz="1500">
+                <a:solidFill>
+                  <a:srgbClr val="D4D4D4"/>
+                </a:solidFill>
+                <a:highlight>
+                  <a:srgbClr val="1E1E1E"/>
+                </a:highlight>
+                <a:latin typeface="Courier New"/>
+                <a:ea typeface="Courier New"/>
+                <a:cs typeface="Courier New"/>
+                <a:sym typeface="Courier New"/>
+              </a:rPr>
+              <a:t> </a:t>
+            </a:r>
+            <a:r>
+              <a:rPr lang="en-GB" sz="1500">
+                <a:solidFill>
+                  <a:srgbClr val="4EC9B0"/>
+                </a:solidFill>
+                <a:highlight>
+                  <a:srgbClr val="1E1E1E"/>
+                </a:highlight>
+                <a:latin typeface="Courier New"/>
+                <a:ea typeface="Courier New"/>
+                <a:cs typeface="Courier New"/>
+                <a:sym typeface="Courier New"/>
+              </a:rPr>
+              <a:t>nltk</a:t>
+            </a:r>
+            <a:r>
+              <a:rPr lang="en-GB" sz="1500">
+                <a:solidFill>
+                  <a:srgbClr val="D4D4D4"/>
+                </a:solidFill>
+                <a:highlight>
+                  <a:srgbClr val="1E1E1E"/>
+                </a:highlight>
+                <a:latin typeface="Courier New"/>
+                <a:ea typeface="Courier New"/>
+                <a:cs typeface="Courier New"/>
+                <a:sym typeface="Courier New"/>
+              </a:rPr>
+              <a:t>.</a:t>
+            </a:r>
+            <a:r>
+              <a:rPr lang="en-GB" sz="1500">
+                <a:solidFill>
+                  <a:srgbClr val="4EC9B0"/>
+                </a:solidFill>
+                <a:highlight>
+                  <a:srgbClr val="1E1E1E"/>
+                </a:highlight>
+                <a:latin typeface="Courier New"/>
+                <a:ea typeface="Courier New"/>
+                <a:cs typeface="Courier New"/>
+                <a:sym typeface="Courier New"/>
+              </a:rPr>
+              <a:t>stem</a:t>
+            </a:r>
+            <a:r>
+              <a:rPr lang="en-GB" sz="1500">
+                <a:solidFill>
+                  <a:srgbClr val="D4D4D4"/>
+                </a:solidFill>
+                <a:highlight>
+                  <a:srgbClr val="1E1E1E"/>
+                </a:highlight>
+                <a:latin typeface="Courier New"/>
+                <a:ea typeface="Courier New"/>
+                <a:cs typeface="Courier New"/>
+                <a:sym typeface="Courier New"/>
+              </a:rPr>
+              <a:t>.</a:t>
+            </a:r>
+            <a:r>
+              <a:rPr lang="en-GB" sz="1500">
+                <a:solidFill>
+                  <a:srgbClr val="4EC9B0"/>
+                </a:solidFill>
+                <a:highlight>
+                  <a:srgbClr val="1E1E1E"/>
+                </a:highlight>
+                <a:latin typeface="Courier New"/>
+                <a:ea typeface="Courier New"/>
+                <a:cs typeface="Courier New"/>
+                <a:sym typeface="Courier New"/>
+              </a:rPr>
+              <a:t>snowball</a:t>
+            </a:r>
+            <a:r>
+              <a:rPr lang="en-GB" sz="1500">
+                <a:solidFill>
+                  <a:srgbClr val="D4D4D4"/>
+                </a:solidFill>
+                <a:highlight>
+                  <a:srgbClr val="1E1E1E"/>
+                </a:highlight>
+                <a:latin typeface="Courier New"/>
+                <a:ea typeface="Courier New"/>
+                <a:cs typeface="Courier New"/>
+                <a:sym typeface="Courier New"/>
+              </a:rPr>
+              <a:t> </a:t>
+            </a:r>
+            <a:r>
+              <a:rPr lang="en-GB" sz="1500">
                 <a:solidFill>
                   <a:srgbClr val="C586C0"/>
                 </a:solidFill>
@@ -22269,7 +22459,7 @@
               <a:t>import</a:t>
             </a:r>
             <a:r>
-              <a:rPr lang="en-GB" sz="1450">
+              <a:rPr lang="en-GB" sz="1500">
                 <a:solidFill>
                   <a:srgbClr val="D4D4D4"/>
                 </a:solidFill>
@@ -22284,7 +22474,73 @@
               <a:t> </a:t>
             </a:r>
             <a:r>
-              <a:rPr lang="en-GB" sz="1450">
+              <a:rPr lang="en-GB" sz="1500">
+                <a:solidFill>
+                  <a:srgbClr val="4EC9B0"/>
+                </a:solidFill>
+                <a:highlight>
+                  <a:srgbClr val="1E1E1E"/>
+                </a:highlight>
+                <a:latin typeface="Courier New"/>
+                <a:ea typeface="Courier New"/>
+                <a:cs typeface="Courier New"/>
+                <a:sym typeface="Courier New"/>
+              </a:rPr>
+              <a:t>SnowballStemmer</a:t>
+            </a:r>
+            <a:r>
+              <a:rPr lang="en-GB" sz="1500"/>
+              <a:t>)</a:t>
+            </a:r>
+            <a:endParaRPr sz="1500"/>
+          </a:p>
+          <a:p>
+            <a:pPr indent="-323850" lvl="0" marL="457200" rtl="0" algn="l">
+              <a:spcBef>
+                <a:spcPts val="0"/>
+              </a:spcBef>
+              <a:spcAft>
+                <a:spcPts val="0"/>
+              </a:spcAft>
+              <a:buSzPts val="1500"/>
+              <a:buAutoNum type="arabicPeriod"/>
+            </a:pPr>
+            <a:r>
+              <a:rPr lang="en-GB" sz="1500"/>
+              <a:t>Concluciones (</a:t>
+            </a:r>
+            <a:r>
+              <a:rPr lang="en-GB" sz="1500">
+                <a:solidFill>
+                  <a:srgbClr val="C586C0"/>
+                </a:solidFill>
+                <a:highlight>
+                  <a:srgbClr val="1E1E1E"/>
+                </a:highlight>
+                <a:latin typeface="Courier New"/>
+                <a:ea typeface="Courier New"/>
+                <a:cs typeface="Courier New"/>
+                <a:sym typeface="Courier New"/>
+              </a:rPr>
+              <a:t>import</a:t>
+            </a:r>
+            <a:r>
+              <a:rPr lang="en-GB" sz="1500">
+                <a:solidFill>
+                  <a:srgbClr val="D4D4D4"/>
+                </a:solidFill>
+                <a:highlight>
+                  <a:srgbClr val="1E1E1E"/>
+                </a:highlight>
+                <a:latin typeface="Courier New"/>
+                <a:ea typeface="Courier New"/>
+                <a:cs typeface="Courier New"/>
+                <a:sym typeface="Courier New"/>
+              </a:rPr>
+              <a:t> </a:t>
+            </a:r>
+            <a:r>
+              <a:rPr lang="en-GB" sz="1500">
                 <a:solidFill>
                   <a:srgbClr val="4EC9B0"/>
                 </a:solidFill>
@@ -22299,7 +22555,7 @@
               <a:t>cerebro</a:t>
             </a:r>
             <a:r>
-              <a:rPr lang="en-GB" sz="1450">
+              <a:rPr lang="en-GB" sz="1500">
                 <a:solidFill>
                   <a:srgbClr val="D4D4D4"/>
                 </a:solidFill>
@@ -22314,7 +22570,7 @@
               <a:t> </a:t>
             </a:r>
             <a:r>
-              <a:rPr lang="en-GB" sz="1450">
+              <a:rPr lang="en-GB" sz="1500">
                 <a:solidFill>
                   <a:srgbClr val="C586C0"/>
                 </a:solidFill>
@@ -22329,7 +22585,7 @@
               <a:t>as</a:t>
             </a:r>
             <a:r>
-              <a:rPr lang="en-GB" sz="1450">
+              <a:rPr lang="en-GB" sz="1500">
                 <a:solidFill>
                   <a:srgbClr val="D4D4D4"/>
                 </a:solidFill>
@@ -22344,7 +22600,7 @@
               <a:t> </a:t>
             </a:r>
             <a:r>
-              <a:rPr lang="en-GB" sz="1450">
+              <a:rPr lang="en-GB" sz="1500">
                 <a:solidFill>
                   <a:srgbClr val="4EC9B0"/>
                 </a:solidFill>
@@ -22359,10 +22615,10 @@
               <a:t>crb</a:t>
             </a:r>
             <a:r>
-              <a:rPr lang="en-GB" sz="1700"/>
+              <a:rPr lang="en-GB" sz="1500"/>
               <a:t>)</a:t>
             </a:r>
-            <a:endParaRPr sz="1700"/>
+            <a:endParaRPr sz="1500"/>
           </a:p>
         </p:txBody>
       </p:sp>
@@ -22606,7 +22862,7 @@
             <a:tbl>
               <a:tblPr>
                 <a:noFill/>
-                <a:tableStyleId>{57B03AB8-2F27-42EF-B52E-B7FD27AC1EB2}</a:tableStyleId>
+                <a:tableStyleId>{7B326887-67BD-4D41-AC07-3F7F7F99F815}</a:tableStyleId>
               </a:tblPr>
               <a:tblGrid>
                 <a:gridCol w="1387850"/>
@@ -22985,7 +23241,7 @@
             <a:tbl>
               <a:tblPr>
                 <a:noFill/>
-                <a:tableStyleId>{57B03AB8-2F27-42EF-B52E-B7FD27AC1EB2}</a:tableStyleId>
+                <a:tableStyleId>{7B326887-67BD-4D41-AC07-3F7F7F99F815}</a:tableStyleId>
               </a:tblPr>
               <a:tblGrid>
                 <a:gridCol w="1326325"/>
@@ -23377,7 +23633,7 @@
         </p:nvSpPr>
         <p:spPr>
           <a:xfrm>
-            <a:off x="389400" y="1990050"/>
+            <a:off x="389400" y="1685250"/>
             <a:ext cx="3861900" cy="2541600"/>
           </a:xfrm>
           <a:prstGeom prst="rect">
@@ -23508,7 +23764,7 @@
         </p:blipFill>
         <p:spPr>
           <a:xfrm>
-            <a:off x="4635025" y="1684275"/>
+            <a:off x="4635025" y="1379475"/>
             <a:ext cx="3585700" cy="3005775"/>
           </a:xfrm>
           <a:prstGeom prst="rect">
@@ -23520,6 +23776,227 @@
           </a:ln>
         </p:spPr>
       </p:pic>
+      <p:sp>
+        <p:nvSpPr>
+          <p:cNvPr id="314" name="Google Shape;314;p18"/>
+          <p:cNvSpPr txBox="1"/>
+          <p:nvPr/>
+        </p:nvSpPr>
+        <p:spPr>
+          <a:xfrm>
+            <a:off x="90700" y="4558975"/>
+            <a:ext cx="9010800" cy="415500"/>
+          </a:xfrm>
+          <a:prstGeom prst="rect">
+            <a:avLst/>
+          </a:prstGeom>
+          <a:noFill/>
+          <a:ln>
+            <a:noFill/>
+          </a:ln>
+        </p:spPr>
+        <p:txBody>
+          <a:bodyPr anchorCtr="0" anchor="t" bIns="91425" lIns="91425" spcFirstLastPara="1" rIns="91425" wrap="square" tIns="91425">
+            <a:spAutoFit/>
+          </a:bodyPr>
+          <a:lstStyle/>
+          <a:p>
+            <a:pPr indent="0" lvl="0" marL="0" rtl="0" algn="l">
+              <a:spcBef>
+                <a:spcPts val="0"/>
+              </a:spcBef>
+              <a:spcAft>
+                <a:spcPts val="0"/>
+              </a:spcAft>
+              <a:buNone/>
+            </a:pPr>
+            <a:r>
+              <a:rPr lang="en-GB" sz="750">
+                <a:solidFill>
+                  <a:srgbClr val="434343"/>
+                </a:solidFill>
+                <a:latin typeface="Courier New"/>
+                <a:ea typeface="Courier New"/>
+                <a:cs typeface="Courier New"/>
+                <a:sym typeface="Courier New"/>
+              </a:rPr>
+              <a:t>'Advanced #Cynefin, Estuarine mapping &amp;amp; EUFG Masterclass (Madrid)</a:t>
+            </a:r>
+            <a:r>
+              <a:rPr lang="en-GB" sz="750">
+                <a:solidFill>
+                  <a:srgbClr val="434343"/>
+                </a:solidFill>
+                <a:uFill>
+                  <a:noFill/>
+                </a:uFill>
+                <a:latin typeface="Courier New"/>
+                <a:ea typeface="Courier New"/>
+                <a:cs typeface="Courier New"/>
+                <a:sym typeface="Courier New"/>
+                <a:hlinkClick r:id="rId4">
+                  <a:extLst>
+                    <a:ext uri="{A12FA001-AC4F-418D-AE19-62706E023703}">
+                      <ahyp:hlinkClr val="tx"/>
+                    </a:ext>
+                  </a:extLst>
+                </a:hlinkClick>
+              </a:rPr>
+              <a:t> </a:t>
+            </a:r>
+            <a:r>
+              <a:rPr lang="en-GB" sz="750" u="sng">
+                <a:solidFill>
+                  <a:srgbClr val="434343"/>
+                </a:solidFill>
+                <a:latin typeface="Courier New"/>
+                <a:ea typeface="Courier New"/>
+                <a:cs typeface="Courier New"/>
+                <a:sym typeface="Courier New"/>
+                <a:hlinkClick r:id="rId5">
+                  <a:extLst>
+                    <a:ext uri="{A12FA001-AC4F-418D-AE19-62706E023703}">
+                      <ahyp:hlinkClr val="tx"/>
+                    </a:ext>
+                  </a:extLst>
+                </a:hlinkClick>
+              </a:rPr>
+              <a:t>https://t.co/H5ZSjbKHAr</a:t>
+            </a:r>
+            <a:r>
+              <a:rPr lang="en-GB" sz="750">
+                <a:solidFill>
+                  <a:srgbClr val="434343"/>
+                </a:solidFill>
+                <a:latin typeface="Courier New"/>
+                <a:ea typeface="Courier New"/>
+                <a:cs typeface="Courier New"/>
+                <a:sym typeface="Courier New"/>
+              </a:rPr>
+              <a:t> | Los interesados en la aplicación de las ciencias de la complejidad en nuestro país tendremos la oportunidad de aprender de @snowded en persona el 16</a:t>
+            </a:r>
+            <a:r>
+              <a:rPr lang="en-GB" sz="750" u="sng">
+                <a:solidFill>
+                  <a:srgbClr val="434343"/>
+                </a:solidFill>
+                <a:latin typeface="Courier New"/>
+                <a:ea typeface="Courier New"/>
+                <a:cs typeface="Courier New"/>
+                <a:sym typeface="Courier New"/>
+                <a:hlinkClick r:id="rId6">
+                  <a:extLst>
+                    <a:ext uri="{A12FA001-AC4F-418D-AE19-62706E023703}">
+                      <ahyp:hlinkClr val="tx"/>
+                    </a:ext>
+                  </a:extLst>
+                </a:hlinkClick>
+              </a:rPr>
+              <a:t>/3/23</a:t>
+            </a:r>
+            <a:r>
+              <a:rPr lang="en-GB" sz="750">
+                <a:solidFill>
+                  <a:srgbClr val="434343"/>
+                </a:solidFill>
+                <a:latin typeface="Courier New"/>
+                <a:ea typeface="Courier New"/>
+                <a:cs typeface="Courier New"/>
+                <a:sym typeface="Courier New"/>
+              </a:rPr>
+              <a:t> en la sede de @TheBridge_Tech</a:t>
+            </a:r>
+            <a:r>
+              <a:rPr lang="en-GB" sz="750">
+                <a:solidFill>
+                  <a:srgbClr val="434343"/>
+                </a:solidFill>
+                <a:uFill>
+                  <a:noFill/>
+                </a:uFill>
+                <a:latin typeface="Courier New"/>
+                <a:ea typeface="Courier New"/>
+                <a:cs typeface="Courier New"/>
+                <a:sym typeface="Courier New"/>
+                <a:hlinkClick r:id="rId7">
+                  <a:extLst>
+                    <a:ext uri="{A12FA001-AC4F-418D-AE19-62706E023703}">
+                      <ahyp:hlinkClr val="tx"/>
+                    </a:ext>
+                  </a:extLst>
+                </a:hlinkClick>
+              </a:rPr>
+              <a:t> </a:t>
+            </a:r>
+            <a:r>
+              <a:rPr lang="en-GB" sz="750" u="sng">
+                <a:solidFill>
+                  <a:srgbClr val="434343"/>
+                </a:solidFill>
+                <a:latin typeface="Courier New"/>
+                <a:ea typeface="Courier New"/>
+                <a:cs typeface="Courier New"/>
+                <a:sym typeface="Courier New"/>
+                <a:hlinkClick r:id="rId8">
+                  <a:extLst>
+                    <a:ext uri="{A12FA001-AC4F-418D-AE19-62706E023703}">
+                      <ahyp:hlinkClr val="tx"/>
+                    </a:ext>
+                  </a:extLst>
+                </a:hlinkClick>
+              </a:rPr>
+              <a:t>https://t.co/LavCfgYIht</a:t>
+            </a:r>
+            <a:r>
+              <a:rPr lang="en-GB" sz="750">
+                <a:solidFill>
+                  <a:srgbClr val="434343"/>
+                </a:solidFill>
+                <a:latin typeface="Courier New"/>
+                <a:ea typeface="Courier New"/>
+                <a:cs typeface="Courier New"/>
+                <a:sym typeface="Courier New"/>
+              </a:rPr>
+              <a:t>'</a:t>
+            </a:r>
+            <a:endParaRPr sz="1100">
+              <a:solidFill>
+                <a:srgbClr val="434343"/>
+              </a:solidFill>
+              <a:latin typeface="Nunito"/>
+              <a:ea typeface="Nunito"/>
+              <a:cs typeface="Nunito"/>
+              <a:sym typeface="Nunito"/>
+            </a:endParaRPr>
+          </a:p>
+        </p:txBody>
+      </p:sp>
+      <p:cxnSp>
+        <p:nvCxnSpPr>
+          <p:cNvPr id="315" name="Google Shape;315;p18"/>
+          <p:cNvCxnSpPr/>
+          <p:nvPr/>
+        </p:nvCxnSpPr>
+        <p:spPr>
+          <a:xfrm flipH="1">
+            <a:off x="4275600" y="3880300"/>
+            <a:ext cx="867900" cy="699600"/>
+          </a:xfrm>
+          <a:prstGeom prst="straightConnector1">
+            <a:avLst/>
+          </a:prstGeom>
+          <a:noFill/>
+          <a:ln cap="flat" cmpd="sng" w="9525">
+            <a:solidFill>
+              <a:schemeClr val="dk2"/>
+            </a:solidFill>
+            <a:prstDash val="solid"/>
+            <a:round/>
+            <a:headEnd len="med" w="med" type="none"/>
+            <a:tailEnd len="med" w="med" type="triangle"/>
+          </a:ln>
+        </p:spPr>
+      </p:cxnSp>
     </p:spTree>
   </p:cSld>
   <p:clrMapOvr>
@@ -23533,7 +24010,7 @@
   <p:cSld>
     <p:spTree>
       <p:nvGrpSpPr>
-        <p:cNvPr id="317" name="Shape 317"/>
+        <p:cNvPr id="319" name="Shape 319"/>
         <p:cNvGrpSpPr/>
         <p:nvPr/>
       </p:nvGrpSpPr>
@@ -23547,7 +24024,7 @@
       </p:grpSpPr>
       <p:sp>
         <p:nvSpPr>
-          <p:cNvPr id="318" name="Google Shape;318;p19"/>
+          <p:cNvPr id="320" name="Google Shape;320;p19"/>
           <p:cNvSpPr txBox="1"/>
           <p:nvPr>
             <p:ph type="title"/>
@@ -23587,7 +24064,7 @@
       </p:sp>
       <p:pic>
         <p:nvPicPr>
-          <p:cNvPr id="319" name="Google Shape;319;p19"/>
+          <p:cNvPr id="321" name="Google Shape;321;p19"/>
           <p:cNvPicPr preferRelativeResize="0"/>
           <p:nvPr/>
         </p:nvPicPr>
@@ -23614,7 +24091,7 @@
       </p:pic>
       <p:pic>
         <p:nvPicPr>
-          <p:cNvPr id="320" name="Google Shape;320;p19"/>
+          <p:cNvPr id="322" name="Google Shape;322;p19"/>
           <p:cNvPicPr preferRelativeResize="0"/>
           <p:nvPr/>
         </p:nvPicPr>
@@ -23642,7 +24119,7 @@
       </p:pic>
       <p:sp>
         <p:nvSpPr>
-          <p:cNvPr id="321" name="Google Shape;321;p19"/>
+          <p:cNvPr id="323" name="Google Shape;323;p19"/>
           <p:cNvSpPr/>
           <p:nvPr/>
         </p:nvSpPr>
@@ -23689,9 +24166,9 @@
       </p:sp>
       <p:cxnSp>
         <p:nvCxnSpPr>
-          <p:cNvPr id="322" name="Google Shape;322;p19"/>
+          <p:cNvPr id="324" name="Google Shape;324;p19"/>
           <p:cNvCxnSpPr>
-            <a:stCxn id="321" idx="3"/>
+            <a:stCxn id="323" idx="3"/>
           </p:cNvCxnSpPr>
           <p:nvPr/>
         </p:nvCxnSpPr>
@@ -23728,7 +24205,7 @@
   <p:cSld>
     <p:spTree>
       <p:nvGrpSpPr>
-        <p:cNvPr id="326" name="Shape 326"/>
+        <p:cNvPr id="328" name="Shape 328"/>
         <p:cNvGrpSpPr/>
         <p:nvPr/>
       </p:nvGrpSpPr>
@@ -23742,7 +24219,7 @@
       </p:grpSpPr>
       <p:sp>
         <p:nvSpPr>
-          <p:cNvPr id="327" name="Google Shape;327;p20"/>
+          <p:cNvPr id="329" name="Google Shape;329;p20"/>
           <p:cNvSpPr txBox="1"/>
           <p:nvPr>
             <p:ph type="title"/>
@@ -23780,48 +24257,9 @@
           </a:p>
         </p:txBody>
       </p:sp>
-      <p:sp>
-        <p:nvSpPr>
-          <p:cNvPr id="328" name="Google Shape;328;p20"/>
-          <p:cNvSpPr txBox="1"/>
-          <p:nvPr>
-            <p:ph idx="1" type="body"/>
-          </p:nvPr>
-        </p:nvSpPr>
-        <p:spPr>
-          <a:xfrm>
-            <a:off x="1303800" y="1990050"/>
-            <a:ext cx="3425100" cy="2541600"/>
-          </a:xfrm>
-          <a:prstGeom prst="rect">
-            <a:avLst/>
-          </a:prstGeom>
-        </p:spPr>
-        <p:txBody>
-          <a:bodyPr anchorCtr="0" anchor="t" bIns="91425" lIns="91425" spcFirstLastPara="1" rIns="91425" wrap="square" tIns="91425">
-            <a:normAutofit/>
-          </a:bodyPr>
-          <a:lstStyle/>
-          <a:p>
-            <a:pPr indent="0" lvl="0" marL="0" rtl="0" algn="l">
-              <a:spcBef>
-                <a:spcPts val="0"/>
-              </a:spcBef>
-              <a:spcAft>
-                <a:spcPts val="1200"/>
-              </a:spcAft>
-              <a:buNone/>
-            </a:pPr>
-            <a:r>
-              <a:t/>
-            </a:r>
-            <a:endParaRPr/>
-          </a:p>
-        </p:txBody>
-      </p:sp>
       <p:pic>
         <p:nvPicPr>
-          <p:cNvPr id="329" name="Google Shape;329;p20"/>
+          <p:cNvPr id="330" name="Google Shape;330;p20"/>
           <p:cNvPicPr preferRelativeResize="0"/>
           <p:nvPr/>
         </p:nvPicPr>
@@ -23829,13 +24267,13 @@
           <a:blip r:embed="rId3">
             <a:alphaModFix/>
           </a:blip>
-          <a:srcRect b="5294" l="0" r="0" t="0"/>
+          <a:srcRect b="5793" l="0" r="0" t="0"/>
           <a:stretch/>
         </p:blipFill>
         <p:spPr>
           <a:xfrm>
-            <a:off x="4900725" y="1549450"/>
-            <a:ext cx="3875199" cy="3069324"/>
+            <a:off x="4626950" y="1546050"/>
+            <a:ext cx="3740250" cy="2713050"/>
           </a:xfrm>
           <a:prstGeom prst="rect">
             <a:avLst/>
@@ -23846,6 +24284,91 @@
           </a:ln>
         </p:spPr>
       </p:pic>
+      <p:pic>
+        <p:nvPicPr>
+          <p:cNvPr id="331" name="Google Shape;331;p20"/>
+          <p:cNvPicPr preferRelativeResize="0"/>
+          <p:nvPr/>
+        </p:nvPicPr>
+        <p:blipFill rotWithShape="1">
+          <a:blip r:embed="rId4">
+            <a:alphaModFix/>
+          </a:blip>
+          <a:srcRect b="5793" l="0" r="0" t="0"/>
+          <a:stretch/>
+        </p:blipFill>
+        <p:spPr>
+          <a:xfrm>
+            <a:off x="515175" y="1546050"/>
+            <a:ext cx="3443200" cy="2713050"/>
+          </a:xfrm>
+          <a:prstGeom prst="rect">
+            <a:avLst/>
+          </a:prstGeom>
+          <a:noFill/>
+          <a:ln>
+            <a:noFill/>
+          </a:ln>
+        </p:spPr>
+      </p:pic>
+      <p:sp>
+        <p:nvSpPr>
+          <p:cNvPr id="332" name="Google Shape;332;p20"/>
+          <p:cNvSpPr txBox="1"/>
+          <p:nvPr/>
+        </p:nvSpPr>
+        <p:spPr>
+          <a:xfrm>
+            <a:off x="589500" y="4479350"/>
+            <a:ext cx="8000100" cy="554100"/>
+          </a:xfrm>
+          <a:prstGeom prst="rect">
+            <a:avLst/>
+          </a:prstGeom>
+          <a:noFill/>
+          <a:ln>
+            <a:noFill/>
+          </a:ln>
+        </p:spPr>
+        <p:txBody>
+          <a:bodyPr anchorCtr="0" anchor="t" bIns="91425" lIns="91425" spcFirstLastPara="1" rIns="91425" wrap="square" tIns="91425">
+            <a:spAutoFit/>
+          </a:bodyPr>
+          <a:lstStyle/>
+          <a:p>
+            <a:pPr indent="0" lvl="0" marL="0" rtl="0" algn="l">
+              <a:spcBef>
+                <a:spcPts val="0"/>
+              </a:spcBef>
+              <a:spcAft>
+                <a:spcPts val="0"/>
+              </a:spcAft>
+              <a:buNone/>
+            </a:pPr>
+            <a:r>
+              <a:rPr lang="en-GB" sz="1200">
+                <a:solidFill>
+                  <a:srgbClr val="434343"/>
+                </a:solidFill>
+                <a:latin typeface="Courier New"/>
+                <a:ea typeface="Courier New"/>
+                <a:cs typeface="Courier New"/>
+                <a:sym typeface="Courier New"/>
+              </a:rPr>
+              <a:t>Adrián Méndez dijo: '@TheBridge_Tech Hola, estoy intentando entrar en la videoconferencia con vuestro enlace, pero no parece que funcione.'</a:t>
+            </a:r>
+            <a:endParaRPr sz="1200">
+              <a:solidFill>
+                <a:srgbClr val="434343"/>
+              </a:solidFill>
+              <a:latin typeface="Courier New"/>
+              <a:ea typeface="Courier New"/>
+              <a:cs typeface="Courier New"/>
+              <a:sym typeface="Courier New"/>
+            </a:endParaRPr>
+          </a:p>
+        </p:txBody>
+      </p:sp>
     </p:spTree>
   </p:cSld>
   <p:clrMapOvr>
@@ -23859,7 +24382,7 @@
   <p:cSld>
     <p:spTree>
       <p:nvGrpSpPr>
-        <p:cNvPr id="333" name="Shape 333"/>
+        <p:cNvPr id="336" name="Shape 336"/>
         <p:cNvGrpSpPr/>
         <p:nvPr/>
       </p:nvGrpSpPr>
@@ -23873,7 +24396,7 @@
       </p:grpSpPr>
       <p:sp>
         <p:nvSpPr>
-          <p:cNvPr id="334" name="Google Shape;334;p21"/>
+          <p:cNvPr id="337" name="Google Shape;337;p21"/>
           <p:cNvSpPr txBox="1"/>
           <p:nvPr>
             <p:ph type="title"/>
@@ -23913,7 +24436,7 @@
       </p:sp>
       <p:sp>
         <p:nvSpPr>
-          <p:cNvPr id="335" name="Google Shape;335;p21"/>
+          <p:cNvPr id="338" name="Google Shape;338;p21"/>
           <p:cNvSpPr txBox="1"/>
           <p:nvPr>
             <p:ph idx="1" type="body"/>
@@ -24005,7 +24528,7 @@
       </p:sp>
       <p:graphicFrame>
         <p:nvGraphicFramePr>
-          <p:cNvPr id="336" name="Google Shape;336;p21"/>
+          <p:cNvPr id="339" name="Google Shape;339;p21"/>
           <p:cNvGraphicFramePr/>
           <p:nvPr/>
         </p:nvGraphicFramePr>
@@ -24018,7 +24541,7 @@
             <a:tbl>
               <a:tblPr>
                 <a:noFill/>
-                <a:tableStyleId>{AEB44090-8C08-4512-8D8D-431DE1DA3CA8}</a:tableStyleId>
+                <a:tableStyleId>{B22D5C0C-935D-4F21-A2DC-FEB81F51A301}</a:tableStyleId>
               </a:tblPr>
               <a:tblGrid>
                 <a:gridCol w="1266825"/>
@@ -25793,6 +26316,285 @@
 </file>
 
 <file path=ppt/theme/theme1.xml><?xml version="1.0" encoding="utf-8"?>
+<a:theme xmlns:a="http://schemas.openxmlformats.org/drawingml/2006/main" xmlns:r="http://schemas.openxmlformats.org/officeDocument/2006/relationships">
+  <a:themeElements>
+    <a:clrScheme name="Default">
+      <a:dk1>
+        <a:srgbClr val="000000"/>
+      </a:dk1>
+      <a:lt1>
+        <a:srgbClr val="FFFFFF"/>
+      </a:lt1>
+      <a:dk2>
+        <a:srgbClr val="158158"/>
+      </a:dk2>
+      <a:lt2>
+        <a:srgbClr val="F3F3F3"/>
+      </a:lt2>
+      <a:accent1>
+        <a:srgbClr val="058DC7"/>
+      </a:accent1>
+      <a:accent2>
+        <a:srgbClr val="50B432"/>
+      </a:accent2>
+      <a:accent3>
+        <a:srgbClr val="ED561B"/>
+      </a:accent3>
+      <a:accent4>
+        <a:srgbClr val="EDEF00"/>
+      </a:accent4>
+      <a:accent5>
+        <a:srgbClr val="24CBE5"/>
+      </a:accent5>
+      <a:accent6>
+        <a:srgbClr val="64E572"/>
+      </a:accent6>
+      <a:hlink>
+        <a:srgbClr val="2200CC"/>
+      </a:hlink>
+      <a:folHlink>
+        <a:srgbClr val="551A8B"/>
+      </a:folHlink>
+    </a:clrScheme>
+    <a:fontScheme name="Office">
+      <a:majorFont>
+        <a:latin typeface="Arial"/>
+        <a:ea typeface=""/>
+        <a:cs typeface=""/>
+        <a:font script="Jpan" typeface="ＭＳ Ｐゴシック"/>
+        <a:font script="Hang" typeface="맑은 고딕"/>
+        <a:font script="Hans" typeface="宋体"/>
+        <a:font script="Hant" typeface="新細明體"/>
+        <a:font script="Arab" typeface="Times New Roman"/>
+        <a:font script="Hebr" typeface="Times New Roman"/>
+        <a:font script="Thai" typeface="Angsana New"/>
+        <a:font script="Ethi" typeface="Nyala"/>
+        <a:font script="Beng" typeface="Vrinda"/>
+        <a:font script="Gujr" typeface="Shruti"/>
+        <a:font script="Khmr" typeface="MoolBoran"/>
+        <a:font script="Knda" typeface="Tunga"/>
+        <a:font script="Guru" typeface="Raavi"/>
+        <a:font script="Cans" typeface="Euphemia"/>
+        <a:font script="Cher" typeface="Plantagenet Cherokee"/>
+        <a:font script="Yiii" typeface="Microsoft Yi Baiti"/>
+        <a:font script="Tibt" typeface="Microsoft Himalaya"/>
+        <a:font script="Thaa" typeface="MV Boli"/>
+        <a:font script="Deva" typeface="Mangal"/>
+        <a:font script="Telu" typeface="Gautami"/>
+        <a:font script="Taml" typeface="Latha"/>
+        <a:font script="Syrc" typeface="Estrangelo Edessa"/>
+        <a:font script="Orya" typeface="Kalinga"/>
+        <a:font script="Mlym" typeface="Kartika"/>
+        <a:font script="Laoo" typeface="DokChampa"/>
+        <a:font script="Sinh" typeface="Iskoola Pota"/>
+        <a:font script="Mong" typeface="Mongolian Baiti"/>
+        <a:font script="Viet" typeface="Times New Roman"/>
+        <a:font script="Uigh" typeface="Microsoft Uighur"/>
+        <a:font script="Geor" typeface="Sylfaen"/>
+      </a:majorFont>
+      <a:minorFont>
+        <a:latin typeface="Arial"/>
+        <a:ea typeface=""/>
+        <a:cs typeface=""/>
+        <a:font script="Jpan" typeface="ＭＳ Ｐゴシック"/>
+        <a:font script="Hang" typeface="맑은 고딕"/>
+        <a:font script="Hans" typeface="宋体"/>
+        <a:font script="Hant" typeface="新細明體"/>
+        <a:font script="Arab" typeface="Arial"/>
+        <a:font script="Hebr" typeface="Arial"/>
+        <a:font script="Thai" typeface="Cordia New"/>
+        <a:font script="Ethi" typeface="Nyala"/>
+        <a:font script="Beng" typeface="Vrinda"/>
+        <a:font script="Gujr" typeface="Shruti"/>
+        <a:font script="Khmr" typeface="DaunPenh"/>
+        <a:font script="Knda" typeface="Tunga"/>
+        <a:font script="Guru" typeface="Raavi"/>
+        <a:font script="Cans" typeface="Euphemia"/>
+        <a:font script="Cher" typeface="Plantagenet Cherokee"/>
+        <a:font script="Yiii" typeface="Microsoft Yi Baiti"/>
+        <a:font script="Tibt" typeface="Microsoft Himalaya"/>
+        <a:font script="Thaa" typeface="MV Boli"/>
+        <a:font script="Deva" typeface="Mangal"/>
+        <a:font script="Telu" typeface="Gautami"/>
+        <a:font script="Taml" typeface="Latha"/>
+        <a:font script="Syrc" typeface="Estrangelo Edessa"/>
+        <a:font script="Orya" typeface="Kalinga"/>
+        <a:font script="Mlym" typeface="Kartika"/>
+        <a:font script="Laoo" typeface="DokChampa"/>
+        <a:font script="Sinh" typeface="Iskoola Pota"/>
+        <a:font script="Mong" typeface="Mongolian Baiti"/>
+        <a:font script="Viet" typeface="Arial"/>
+        <a:font script="Uigh" typeface="Microsoft Uighur"/>
+        <a:font script="Geor" typeface="Sylfaen"/>
+      </a:minorFont>
+    </a:fontScheme>
+    <a:fmtScheme name="Office">
+      <a:fillStyleLst>
+        <a:solidFill>
+          <a:schemeClr val="phClr"/>
+        </a:solidFill>
+        <a:gradFill rotWithShape="1">
+          <a:gsLst>
+            <a:gs pos="0">
+              <a:schemeClr val="phClr">
+                <a:tint val="50000"/>
+                <a:satMod val="300000"/>
+              </a:schemeClr>
+            </a:gs>
+            <a:gs pos="35000">
+              <a:schemeClr val="phClr">
+                <a:tint val="37000"/>
+                <a:satMod val="300000"/>
+              </a:schemeClr>
+            </a:gs>
+            <a:gs pos="100000">
+              <a:schemeClr val="phClr">
+                <a:tint val="15000"/>
+                <a:satMod val="350000"/>
+              </a:schemeClr>
+            </a:gs>
+          </a:gsLst>
+          <a:lin ang="16200000" scaled="1"/>
+        </a:gradFill>
+        <a:gradFill rotWithShape="1">
+          <a:gsLst>
+            <a:gs pos="0">
+              <a:schemeClr val="phClr">
+                <a:tint val="100000"/>
+                <a:shade val="100000"/>
+                <a:satMod val="130000"/>
+              </a:schemeClr>
+            </a:gs>
+            <a:gs pos="100000">
+              <a:schemeClr val="phClr">
+                <a:tint val="50000"/>
+                <a:shade val="100000"/>
+                <a:satMod val="350000"/>
+              </a:schemeClr>
+            </a:gs>
+          </a:gsLst>
+          <a:lin ang="16200000" scaled="0"/>
+        </a:gradFill>
+      </a:fillStyleLst>
+      <a:lnStyleLst>
+        <a:ln w="9525" cap="flat" cmpd="sng" algn="ctr">
+          <a:solidFill>
+            <a:schemeClr val="phClr">
+              <a:shade val="95000"/>
+              <a:satMod val="105000"/>
+            </a:schemeClr>
+          </a:solidFill>
+          <a:prstDash val="solid"/>
+        </a:ln>
+        <a:ln w="25400" cap="flat" cmpd="sng" algn="ctr">
+          <a:solidFill>
+            <a:schemeClr val="phClr"/>
+          </a:solidFill>
+          <a:prstDash val="solid"/>
+        </a:ln>
+        <a:ln w="38100" cap="flat" cmpd="sng" algn="ctr">
+          <a:solidFill>
+            <a:schemeClr val="phClr"/>
+          </a:solidFill>
+          <a:prstDash val="solid"/>
+        </a:ln>
+      </a:lnStyleLst>
+      <a:effectStyleLst>
+        <a:effectStyle>
+          <a:effectLst>
+            <a:outerShdw blurRad="40000" dist="20000" dir="5400000" rotWithShape="0">
+              <a:srgbClr val="000000">
+                <a:alpha val="38000"/>
+              </a:srgbClr>
+            </a:outerShdw>
+          </a:effectLst>
+        </a:effectStyle>
+        <a:effectStyle>
+          <a:effectLst>
+            <a:outerShdw blurRad="40000" dist="23000" dir="5400000" rotWithShape="0">
+              <a:srgbClr val="000000">
+                <a:alpha val="35000"/>
+              </a:srgbClr>
+            </a:outerShdw>
+          </a:effectLst>
+        </a:effectStyle>
+        <a:effectStyle>
+          <a:effectLst>
+            <a:outerShdw blurRad="40000" dist="23000" dir="5400000" rotWithShape="0">
+              <a:srgbClr val="000000">
+                <a:alpha val="35000"/>
+              </a:srgbClr>
+            </a:outerShdw>
+          </a:effectLst>
+          <a:scene3d>
+            <a:camera prst="orthographicFront">
+              <a:rot lat="0" lon="0" rev="0"/>
+            </a:camera>
+            <a:lightRig rig="threePt" dir="t">
+              <a:rot lat="0" lon="0" rev="1200000"/>
+            </a:lightRig>
+          </a:scene3d>
+          <a:sp3d>
+            <a:bevelT w="63500" h="25400"/>
+          </a:sp3d>
+        </a:effectStyle>
+      </a:effectStyleLst>
+      <a:bgFillStyleLst>
+        <a:solidFill>
+          <a:schemeClr val="phClr"/>
+        </a:solidFill>
+        <a:gradFill rotWithShape="1">
+          <a:gsLst>
+            <a:gs pos="0">
+              <a:schemeClr val="phClr">
+                <a:tint val="40000"/>
+                <a:satMod val="350000"/>
+              </a:schemeClr>
+            </a:gs>
+            <a:gs pos="40000">
+              <a:schemeClr val="phClr">
+                <a:tint val="45000"/>
+                <a:shade val="99000"/>
+                <a:satMod val="350000"/>
+              </a:schemeClr>
+            </a:gs>
+            <a:gs pos="100000">
+              <a:schemeClr val="phClr">
+                <a:shade val="20000"/>
+                <a:satMod val="255000"/>
+              </a:schemeClr>
+            </a:gs>
+          </a:gsLst>
+          <a:path path="circle">
+            <a:fillToRect l="50000" t="-80000" r="50000" b="180000"/>
+          </a:path>
+        </a:gradFill>
+        <a:gradFill rotWithShape="1">
+          <a:gsLst>
+            <a:gs pos="0">
+              <a:schemeClr val="phClr">
+                <a:tint val="80000"/>
+                <a:satMod val="300000"/>
+              </a:schemeClr>
+            </a:gs>
+            <a:gs pos="100000">
+              <a:schemeClr val="phClr">
+                <a:shade val="30000"/>
+                <a:satMod val="200000"/>
+              </a:schemeClr>
+            </a:gs>
+          </a:gsLst>
+          <a:path path="circle">
+            <a:fillToRect l="50000" t="50000" r="50000" b="50000"/>
+          </a:path>
+        </a:gradFill>
+      </a:bgFillStyleLst>
+    </a:fmtScheme>
+  </a:themeElements>
+</a:theme>
+</file>
+
+<file path=ppt/theme/theme2.xml><?xml version="1.0" encoding="utf-8"?>
 <a:theme xmlns:a="http://schemas.openxmlformats.org/drawingml/2006/main" xmlns:r="http://schemas.openxmlformats.org/officeDocument/2006/relationships" name="Momentum">
   <a:themeElements>
     <a:clrScheme name="Momentum">
@@ -26069,283 +26871,4 @@
     </a:fmtScheme>
   </a:themeElements>
 </a:theme>
-</file>
-
-<file path=ppt/theme/theme2.xml><?xml version="1.0" encoding="utf-8"?>
-<a:theme xmlns:a="http://schemas.openxmlformats.org/drawingml/2006/main" xmlns:r="http://schemas.openxmlformats.org/officeDocument/2006/relationships">
-  <a:themeElements>
-    <a:clrScheme name="Default">
-      <a:dk1>
-        <a:srgbClr val="000000"/>
-      </a:dk1>
-      <a:lt1>
-        <a:srgbClr val="FFFFFF"/>
-      </a:lt1>
-      <a:dk2>
-        <a:srgbClr val="158158"/>
-      </a:dk2>
-      <a:lt2>
-        <a:srgbClr val="F3F3F3"/>
-      </a:lt2>
-      <a:accent1>
-        <a:srgbClr val="058DC7"/>
-      </a:accent1>
-      <a:accent2>
-        <a:srgbClr val="50B432"/>
-      </a:accent2>
-      <a:accent3>
-        <a:srgbClr val="ED561B"/>
-      </a:accent3>
-      <a:accent4>
-        <a:srgbClr val="EDEF00"/>
-      </a:accent4>
-      <a:accent5>
-        <a:srgbClr val="24CBE5"/>
-      </a:accent5>
-      <a:accent6>
-        <a:srgbClr val="64E572"/>
-      </a:accent6>
-      <a:hlink>
-        <a:srgbClr val="2200CC"/>
-      </a:hlink>
-      <a:folHlink>
-        <a:srgbClr val="551A8B"/>
-      </a:folHlink>
-    </a:clrScheme>
-    <a:fontScheme name="Office">
-      <a:majorFont>
-        <a:latin typeface="Arial"/>
-        <a:ea typeface=""/>
-        <a:cs typeface=""/>
-        <a:font script="Jpan" typeface="ＭＳ Ｐゴシック"/>
-        <a:font script="Hang" typeface="맑은 고딕"/>
-        <a:font script="Hans" typeface="宋体"/>
-        <a:font script="Hant" typeface="新細明體"/>
-        <a:font script="Arab" typeface="Times New Roman"/>
-        <a:font script="Hebr" typeface="Times New Roman"/>
-        <a:font script="Thai" typeface="Angsana New"/>
-        <a:font script="Ethi" typeface="Nyala"/>
-        <a:font script="Beng" typeface="Vrinda"/>
-        <a:font script="Gujr" typeface="Shruti"/>
-        <a:font script="Khmr" typeface="MoolBoran"/>
-        <a:font script="Knda" typeface="Tunga"/>
-        <a:font script="Guru" typeface="Raavi"/>
-        <a:font script="Cans" typeface="Euphemia"/>
-        <a:font script="Cher" typeface="Plantagenet Cherokee"/>
-        <a:font script="Yiii" typeface="Microsoft Yi Baiti"/>
-        <a:font script="Tibt" typeface="Microsoft Himalaya"/>
-        <a:font script="Thaa" typeface="MV Boli"/>
-        <a:font script="Deva" typeface="Mangal"/>
-        <a:font script="Telu" typeface="Gautami"/>
-        <a:font script="Taml" typeface="Latha"/>
-        <a:font script="Syrc" typeface="Estrangelo Edessa"/>
-        <a:font script="Orya" typeface="Kalinga"/>
-        <a:font script="Mlym" typeface="Kartika"/>
-        <a:font script="Laoo" typeface="DokChampa"/>
-        <a:font script="Sinh" typeface="Iskoola Pota"/>
-        <a:font script="Mong" typeface="Mongolian Baiti"/>
-        <a:font script="Viet" typeface="Times New Roman"/>
-        <a:font script="Uigh" typeface="Microsoft Uighur"/>
-        <a:font script="Geor" typeface="Sylfaen"/>
-      </a:majorFont>
-      <a:minorFont>
-        <a:latin typeface="Arial"/>
-        <a:ea typeface=""/>
-        <a:cs typeface=""/>
-        <a:font script="Jpan" typeface="ＭＳ Ｐゴシック"/>
-        <a:font script="Hang" typeface="맑은 고딕"/>
-        <a:font script="Hans" typeface="宋体"/>
-        <a:font script="Hant" typeface="新細明體"/>
-        <a:font script="Arab" typeface="Arial"/>
-        <a:font script="Hebr" typeface="Arial"/>
-        <a:font script="Thai" typeface="Cordia New"/>
-        <a:font script="Ethi" typeface="Nyala"/>
-        <a:font script="Beng" typeface="Vrinda"/>
-        <a:font script="Gujr" typeface="Shruti"/>
-        <a:font script="Khmr" typeface="DaunPenh"/>
-        <a:font script="Knda" typeface="Tunga"/>
-        <a:font script="Guru" typeface="Raavi"/>
-        <a:font script="Cans" typeface="Euphemia"/>
-        <a:font script="Cher" typeface="Plantagenet Cherokee"/>
-        <a:font script="Yiii" typeface="Microsoft Yi Baiti"/>
-        <a:font script="Tibt" typeface="Microsoft Himalaya"/>
-        <a:font script="Thaa" typeface="MV Boli"/>
-        <a:font script="Deva" typeface="Mangal"/>
-        <a:font script="Telu" typeface="Gautami"/>
-        <a:font script="Taml" typeface="Latha"/>
-        <a:font script="Syrc" typeface="Estrangelo Edessa"/>
-        <a:font script="Orya" typeface="Kalinga"/>
-        <a:font script="Mlym" typeface="Kartika"/>
-        <a:font script="Laoo" typeface="DokChampa"/>
-        <a:font script="Sinh" typeface="Iskoola Pota"/>
-        <a:font script="Mong" typeface="Mongolian Baiti"/>
-        <a:font script="Viet" typeface="Arial"/>
-        <a:font script="Uigh" typeface="Microsoft Uighur"/>
-        <a:font script="Geor" typeface="Sylfaen"/>
-      </a:minorFont>
-    </a:fontScheme>
-    <a:fmtScheme name="Office">
-      <a:fillStyleLst>
-        <a:solidFill>
-          <a:schemeClr val="phClr"/>
-        </a:solidFill>
-        <a:gradFill rotWithShape="1">
-          <a:gsLst>
-            <a:gs pos="0">
-              <a:schemeClr val="phClr">
-                <a:tint val="50000"/>
-                <a:satMod val="300000"/>
-              </a:schemeClr>
-            </a:gs>
-            <a:gs pos="35000">
-              <a:schemeClr val="phClr">
-                <a:tint val="37000"/>
-                <a:satMod val="300000"/>
-              </a:schemeClr>
-            </a:gs>
-            <a:gs pos="100000">
-              <a:schemeClr val="phClr">
-                <a:tint val="15000"/>
-                <a:satMod val="350000"/>
-              </a:schemeClr>
-            </a:gs>
-          </a:gsLst>
-          <a:lin ang="16200000" scaled="1"/>
-        </a:gradFill>
-        <a:gradFill rotWithShape="1">
-          <a:gsLst>
-            <a:gs pos="0">
-              <a:schemeClr val="phClr">
-                <a:tint val="100000"/>
-                <a:shade val="100000"/>
-                <a:satMod val="130000"/>
-              </a:schemeClr>
-            </a:gs>
-            <a:gs pos="100000">
-              <a:schemeClr val="phClr">
-                <a:tint val="50000"/>
-                <a:shade val="100000"/>
-                <a:satMod val="350000"/>
-              </a:schemeClr>
-            </a:gs>
-          </a:gsLst>
-          <a:lin ang="16200000" scaled="0"/>
-        </a:gradFill>
-      </a:fillStyleLst>
-      <a:lnStyleLst>
-        <a:ln w="9525" cap="flat" cmpd="sng" algn="ctr">
-          <a:solidFill>
-            <a:schemeClr val="phClr">
-              <a:shade val="95000"/>
-              <a:satMod val="105000"/>
-            </a:schemeClr>
-          </a:solidFill>
-          <a:prstDash val="solid"/>
-        </a:ln>
-        <a:ln w="25400" cap="flat" cmpd="sng" algn="ctr">
-          <a:solidFill>
-            <a:schemeClr val="phClr"/>
-          </a:solidFill>
-          <a:prstDash val="solid"/>
-        </a:ln>
-        <a:ln w="38100" cap="flat" cmpd="sng" algn="ctr">
-          <a:solidFill>
-            <a:schemeClr val="phClr"/>
-          </a:solidFill>
-          <a:prstDash val="solid"/>
-        </a:ln>
-      </a:lnStyleLst>
-      <a:effectStyleLst>
-        <a:effectStyle>
-          <a:effectLst>
-            <a:outerShdw blurRad="40000" dist="20000" dir="5400000" rotWithShape="0">
-              <a:srgbClr val="000000">
-                <a:alpha val="38000"/>
-              </a:srgbClr>
-            </a:outerShdw>
-          </a:effectLst>
-        </a:effectStyle>
-        <a:effectStyle>
-          <a:effectLst>
-            <a:outerShdw blurRad="40000" dist="23000" dir="5400000" rotWithShape="0">
-              <a:srgbClr val="000000">
-                <a:alpha val="35000"/>
-              </a:srgbClr>
-            </a:outerShdw>
-          </a:effectLst>
-        </a:effectStyle>
-        <a:effectStyle>
-          <a:effectLst>
-            <a:outerShdw blurRad="40000" dist="23000" dir="5400000" rotWithShape="0">
-              <a:srgbClr val="000000">
-                <a:alpha val="35000"/>
-              </a:srgbClr>
-            </a:outerShdw>
-          </a:effectLst>
-          <a:scene3d>
-            <a:camera prst="orthographicFront">
-              <a:rot lat="0" lon="0" rev="0"/>
-            </a:camera>
-            <a:lightRig rig="threePt" dir="t">
-              <a:rot lat="0" lon="0" rev="1200000"/>
-            </a:lightRig>
-          </a:scene3d>
-          <a:sp3d>
-            <a:bevelT w="63500" h="25400"/>
-          </a:sp3d>
-        </a:effectStyle>
-      </a:effectStyleLst>
-      <a:bgFillStyleLst>
-        <a:solidFill>
-          <a:schemeClr val="phClr"/>
-        </a:solidFill>
-        <a:gradFill rotWithShape="1">
-          <a:gsLst>
-            <a:gs pos="0">
-              <a:schemeClr val="phClr">
-                <a:tint val="40000"/>
-                <a:satMod val="350000"/>
-              </a:schemeClr>
-            </a:gs>
-            <a:gs pos="40000">
-              <a:schemeClr val="phClr">
-                <a:tint val="45000"/>
-                <a:shade val="99000"/>
-                <a:satMod val="350000"/>
-              </a:schemeClr>
-            </a:gs>
-            <a:gs pos="100000">
-              <a:schemeClr val="phClr">
-                <a:shade val="20000"/>
-                <a:satMod val="255000"/>
-              </a:schemeClr>
-            </a:gs>
-          </a:gsLst>
-          <a:path path="circle">
-            <a:fillToRect l="50000" t="-80000" r="50000" b="180000"/>
-          </a:path>
-        </a:gradFill>
-        <a:gradFill rotWithShape="1">
-          <a:gsLst>
-            <a:gs pos="0">
-              <a:schemeClr val="phClr">
-                <a:tint val="80000"/>
-                <a:satMod val="300000"/>
-              </a:schemeClr>
-            </a:gs>
-            <a:gs pos="100000">
-              <a:schemeClr val="phClr">
-                <a:shade val="30000"/>
-                <a:satMod val="200000"/>
-              </a:schemeClr>
-            </a:gs>
-          </a:gsLst>
-          <a:path path="circle">
-            <a:fillToRect l="50000" t="50000" r="50000" b="50000"/>
-          </a:path>
-        </a:gradFill>
-      </a:bgFillStyleLst>
-    </a:fmtScheme>
-  </a:themeElements>
-</a:theme>
 </file>